--- a/Presentations/1st Workshop/Running_SU22014.pptx
+++ b/Presentations/1st Workshop/Running_SU22014.pptx
@@ -5,26 +5,25 @@
     <p:sldMasterId id="2147483648" r:id="rId1"/>
   </p:sldMasterIdLst>
   <p:notesMasterIdLst>
-    <p:notesMasterId r:id="rId16"/>
+    <p:notesMasterId r:id="rId15"/>
   </p:notesMasterIdLst>
   <p:handoutMasterIdLst>
-    <p:handoutMasterId r:id="rId17"/>
+    <p:handoutMasterId r:id="rId16"/>
   </p:handoutMasterIdLst>
   <p:sldIdLst>
     <p:sldId id="256" r:id="rId2"/>
     <p:sldId id="456" r:id="rId3"/>
-    <p:sldId id="457" r:id="rId4"/>
-    <p:sldId id="458" r:id="rId5"/>
-    <p:sldId id="459" r:id="rId6"/>
-    <p:sldId id="461" r:id="rId7"/>
-    <p:sldId id="349" r:id="rId8"/>
-    <p:sldId id="462" r:id="rId9"/>
-    <p:sldId id="470" r:id="rId10"/>
-    <p:sldId id="465" r:id="rId11"/>
-    <p:sldId id="471" r:id="rId12"/>
-    <p:sldId id="466" r:id="rId13"/>
-    <p:sldId id="469" r:id="rId14"/>
-    <p:sldId id="468" r:id="rId15"/>
+    <p:sldId id="458" r:id="rId4"/>
+    <p:sldId id="459" r:id="rId5"/>
+    <p:sldId id="461" r:id="rId6"/>
+    <p:sldId id="349" r:id="rId7"/>
+    <p:sldId id="462" r:id="rId8"/>
+    <p:sldId id="470" r:id="rId9"/>
+    <p:sldId id="465" r:id="rId10"/>
+    <p:sldId id="471" r:id="rId11"/>
+    <p:sldId id="466" r:id="rId12"/>
+    <p:sldId id="469" r:id="rId13"/>
+    <p:sldId id="468" r:id="rId14"/>
   </p:sldIdLst>
   <p:sldSz cx="9144000" cy="6858000" type="screen4x3"/>
   <p:notesSz cx="6858000" cy="9144000"/>
@@ -239,7 +238,7 @@
             <a:fld id="{3E77585D-3319-2848-ADBB-136B33F33AE1}" type="datetimeFigureOut">
               <a:rPr lang="es-ES_tradnl" smtClean="0"/>
               <a:pPr/>
-              <a:t>10/09/2014</a:t>
+              <a:t>11/09/2014</a:t>
             </a:fld>
             <a:endParaRPr lang="es-ES_tradnl"/>
           </a:p>
@@ -908,7 +907,7 @@
             <a:fld id="{42BE94EF-8A55-4945-808E-E03E18ED1A14}" type="slidenum">
               <a:rPr lang="en-US" smtClean="0"/>
               <a:pPr/>
-              <a:t>14</a:t>
+              <a:t>13</a:t>
             </a:fld>
             <a:endParaRPr lang="en-US"/>
           </a:p>
@@ -1081,7 +1080,7 @@
             <a:fld id="{42BE94EF-8A55-4945-808E-E03E18ED1A14}" type="slidenum">
               <a:rPr lang="en-US" smtClean="0"/>
               <a:pPr/>
-              <a:t>5</a:t>
+              <a:t>4</a:t>
             </a:fld>
             <a:endParaRPr lang="en-US"/>
           </a:p>
@@ -1163,7 +1162,7 @@
             <a:fld id="{42BE94EF-8A55-4945-808E-E03E18ED1A14}" type="slidenum">
               <a:rPr lang="en-US" smtClean="0"/>
               <a:pPr/>
-              <a:t>6</a:t>
+              <a:t>5</a:t>
             </a:fld>
             <a:endParaRPr lang="en-US"/>
           </a:p>
@@ -1245,7 +1244,7 @@
             <a:fld id="{42BE94EF-8A55-4945-808E-E03E18ED1A14}" type="slidenum">
               <a:rPr lang="en-US" smtClean="0"/>
               <a:pPr/>
-              <a:t>7</a:t>
+              <a:t>6</a:t>
             </a:fld>
             <a:endParaRPr lang="en-US"/>
           </a:p>
@@ -1327,7 +1326,7 @@
             <a:fld id="{42BE94EF-8A55-4945-808E-E03E18ED1A14}" type="slidenum">
               <a:rPr lang="en-US" smtClean="0"/>
               <a:pPr/>
-              <a:t>8</a:t>
+              <a:t>7</a:t>
             </a:fld>
             <a:endParaRPr lang="en-US"/>
           </a:p>
@@ -1409,7 +1408,7 @@
             <a:fld id="{42BE94EF-8A55-4945-808E-E03E18ED1A14}" type="slidenum">
               <a:rPr lang="en-US" smtClean="0"/>
               <a:pPr/>
-              <a:t>10</a:t>
+              <a:t>9</a:t>
             </a:fld>
             <a:endParaRPr lang="en-US"/>
           </a:p>
@@ -1491,7 +1490,7 @@
             <a:fld id="{42BE94EF-8A55-4945-808E-E03E18ED1A14}" type="slidenum">
               <a:rPr lang="en-US" smtClean="0"/>
               <a:pPr/>
-              <a:t>12</a:t>
+              <a:t>11</a:t>
             </a:fld>
             <a:endParaRPr lang="en-US"/>
           </a:p>
@@ -1573,7 +1572,7 @@
             <a:fld id="{42BE94EF-8A55-4945-808E-E03E18ED1A14}" type="slidenum">
               <a:rPr lang="en-US" smtClean="0"/>
               <a:pPr/>
-              <a:t>13</a:t>
+              <a:t>12</a:t>
             </a:fld>
             <a:endParaRPr lang="en-US"/>
           </a:p>
@@ -3391,10 +3390,6 @@
               </a:rPr>
               <a:t>  and SU2 Joint Workshop</a:t>
             </a:r>
-            <a:endParaRPr lang="en-US" sz="1800" b="1" i="1" dirty="0" smtClean="0">
-              <a:latin typeface="Arial"/>
-              <a:cs typeface="Arial"/>
-            </a:endParaRPr>
           </a:p>
           <a:p>
             <a:pPr eaLnBrk="1" hangingPunct="1">
@@ -3721,7 +3716,7 @@
     <mc:Choice Requires="p14">
       <p:transition spd="slow" p14:dur="2000" advTm="59395"/>
     </mc:Choice>
-    <mc:Fallback xmlns:mv="urn:schemas-microsoft-com:mac:vml" xmlns="">
+    <mc:Fallback xmlns="" xmlns:mv="urn:schemas-microsoft-com:mac:vml">
       <p:transition spd="slow" advTm="59395"/>
     </mc:Fallback>
   </mc:AlternateContent>
@@ -3754,7 +3749,7 @@
       </p:grpSpPr>
       <p:sp>
         <p:nvSpPr>
-          <p:cNvPr id="2" name="Título 1"/>
+          <p:cNvPr id="2" name="Title 1"/>
           <p:cNvSpPr>
             <a:spLocks noGrp="1"/>
           </p:cNvSpPr>
@@ -3768,20 +3763,39 @@
           <a:lstStyle/>
           <a:p>
             <a:r>
-              <a:rPr lang="en-US" dirty="0" err="1" smtClean="0"/>
-              <a:t>Adjoint</a:t>
-            </a:r>
-            <a:r>
               <a:rPr lang="en-US" dirty="0" smtClean="0"/>
-              <a:t> Solution</a:t>
-            </a:r>
-            <a:endParaRPr lang="en-US" sz="2400" dirty="0"/>
-          </a:p>
-        </p:txBody>
-      </p:sp>
-      <p:sp>
-        <p:nvSpPr>
-          <p:cNvPr id="5" name="Marcador de fecha 4"/>
+              <a:t>Interactive</a:t>
+            </a:r>
+            <a:endParaRPr lang="en-US" dirty="0"/>
+          </a:p>
+        </p:txBody>
+      </p:sp>
+      <p:sp>
+        <p:nvSpPr>
+          <p:cNvPr id="3" name="Content Placeholder 2"/>
+          <p:cNvSpPr>
+            <a:spLocks noGrp="1"/>
+          </p:cNvSpPr>
+          <p:nvPr>
+            <p:ph idx="1"/>
+          </p:nvPr>
+        </p:nvSpPr>
+        <p:spPr/>
+        <p:txBody>
+          <a:bodyPr/>
+          <a:lstStyle/>
+          <a:p>
+            <a:r>
+              <a:rPr lang="en-US" dirty="0" smtClean="0"/>
+              <a:t>Adjoint Solution</a:t>
+            </a:r>
+            <a:endParaRPr lang="en-US" dirty="0"/>
+          </a:p>
+        </p:txBody>
+      </p:sp>
+      <p:sp>
+        <p:nvSpPr>
+          <p:cNvPr id="4" name="Date Placeholder 3"/>
           <p:cNvSpPr>
             <a:spLocks noGrp="1"/>
           </p:cNvSpPr>
@@ -3798,13 +3812,13 @@
               <a:rPr lang="en-US" smtClean="0"/>
               <a:t>Jan 15th, 2013</a:t>
             </a:r>
-            <a:endParaRPr lang="en-US"/>
-          </a:p>
-        </p:txBody>
-      </p:sp>
-      <p:sp>
-        <p:nvSpPr>
-          <p:cNvPr id="6" name="Marcador de pie de página 5"/>
+            <a:endParaRPr lang="en-US" dirty="0"/>
+          </a:p>
+        </p:txBody>
+      </p:sp>
+      <p:sp>
+        <p:nvSpPr>
+          <p:cNvPr id="5" name="Footer Placeholder 4"/>
           <p:cNvSpPr>
             <a:spLocks noGrp="1"/>
           </p:cNvSpPr>
@@ -3827,7 +3841,7 @@
       </p:sp>
       <p:sp>
         <p:nvSpPr>
-          <p:cNvPr id="3" name="Slide Number Placeholder 2"/>
+          <p:cNvPr id="6" name="Slide Number Placeholder 5"/>
           <p:cNvSpPr>
             <a:spLocks noGrp="1"/>
           </p:cNvSpPr>
@@ -3849,243 +3863,16 @@
           </a:p>
         </p:txBody>
       </p:sp>
-      <p:sp>
-        <p:nvSpPr>
-          <p:cNvPr id="4" name="Content Placeholder 3"/>
-          <p:cNvSpPr>
-            <a:spLocks noGrp="1"/>
-          </p:cNvSpPr>
-          <p:nvPr>
-            <p:ph idx="1"/>
-          </p:nvPr>
-        </p:nvSpPr>
-        <p:spPr/>
-        <p:txBody>
-          <a:bodyPr/>
-          <a:lstStyle/>
-          <a:p>
-            <a:r>
-              <a:rPr lang="en-US" sz="2800" dirty="0" smtClean="0"/>
-              <a:t>Sensitivity of a functional to changes in the flow</a:t>
-            </a:r>
-          </a:p>
-          <a:p>
-            <a:pPr lvl="1"/>
-            <a:r>
-              <a:rPr lang="en-US" sz="2400" dirty="0"/>
-              <a:t>e</a:t>
-            </a:r>
-            <a:r>
-              <a:rPr lang="en-US" sz="2400" dirty="0" smtClean="0"/>
-              <a:t>.g., How does changing the airfoil shape affect lift?</a:t>
-            </a:r>
-            <a:endParaRPr lang="en-US" dirty="0" smtClean="0"/>
-          </a:p>
-          <a:p>
-            <a:r>
-              <a:rPr lang="en-US" sz="2800" dirty="0" smtClean="0"/>
-              <a:t>Additional required file:</a:t>
-            </a:r>
-          </a:p>
-          <a:p>
-            <a:pPr lvl="1"/>
-            <a:r>
-              <a:rPr lang="en-US" sz="2400" dirty="0" smtClean="0"/>
-              <a:t>Converged flow solution</a:t>
-            </a:r>
-            <a:endParaRPr lang="en-US" sz="2400" dirty="0"/>
-          </a:p>
-          <a:p>
-            <a:r>
-              <a:rPr lang="en-US" sz="2800" dirty="0" err="1" smtClean="0"/>
-              <a:t>Config</a:t>
-            </a:r>
-            <a:r>
-              <a:rPr lang="en-US" sz="2800" dirty="0" smtClean="0"/>
-              <a:t> options:</a:t>
-            </a:r>
-            <a:endParaRPr lang="en-US" sz="2800" dirty="0"/>
-          </a:p>
-          <a:p>
-            <a:endParaRPr lang="en-US" sz="2800" dirty="0" smtClean="0"/>
-          </a:p>
-        </p:txBody>
-      </p:sp>
-      <p:sp>
-        <p:nvSpPr>
-          <p:cNvPr id="7" name="TextBox 6"/>
-          <p:cNvSpPr txBox="1"/>
-          <p:nvPr/>
-        </p:nvSpPr>
-        <p:spPr>
-          <a:xfrm>
-            <a:off x="2245360" y="3962400"/>
-            <a:ext cx="4663440" cy="2031325"/>
-          </a:xfrm>
-          <a:prstGeom prst="rect">
-            <a:avLst/>
-          </a:prstGeom>
-          <a:solidFill>
-            <a:srgbClr val="FFFA9F"/>
-          </a:solidFill>
-          <a:ln>
-            <a:solidFill>
-              <a:schemeClr val="bg2"/>
-            </a:solidFill>
-          </a:ln>
-        </p:spPr>
-        <p:txBody>
-          <a:bodyPr wrap="square" rtlCol="0">
-            <a:spAutoFit/>
-          </a:bodyPr>
-          <a:lstStyle/>
-          <a:p>
-            <a:r>
-              <a:rPr lang="en-US" sz="1400" dirty="0">
-                <a:latin typeface="Courier"/>
-                <a:cs typeface="Courier"/>
-              </a:rPr>
-              <a:t>MATH_PROBLEM= </a:t>
-            </a:r>
-            <a:r>
-              <a:rPr lang="en-US" sz="1400" dirty="0" smtClean="0">
-                <a:latin typeface="Courier"/>
-                <a:cs typeface="Courier"/>
-              </a:rPr>
-              <a:t>ADJOINT</a:t>
-            </a:r>
-          </a:p>
-          <a:p>
-            <a:r>
-              <a:rPr lang="en-US" sz="1400" dirty="0" smtClean="0">
-                <a:latin typeface="Courier"/>
-                <a:cs typeface="Courier"/>
-              </a:rPr>
-              <a:t>%</a:t>
-            </a:r>
-          </a:p>
-          <a:p>
-            <a:r>
-              <a:rPr lang="en-US" sz="1400" dirty="0">
-                <a:latin typeface="Courier"/>
-                <a:cs typeface="Courier"/>
-              </a:rPr>
-              <a:t>RESTART_SOL= NO</a:t>
-            </a:r>
-          </a:p>
-          <a:p>
-            <a:r>
-              <a:rPr lang="en-US" sz="1400" dirty="0" smtClean="0">
-                <a:latin typeface="Courier"/>
-                <a:cs typeface="Courier"/>
-              </a:rPr>
-              <a:t>%</a:t>
-            </a:r>
-            <a:endParaRPr lang="en-US" sz="1400" dirty="0">
-              <a:latin typeface="Courier"/>
-              <a:cs typeface="Courier"/>
-            </a:endParaRPr>
-          </a:p>
-          <a:p>
-            <a:r>
-              <a:rPr lang="en-US" sz="1400" dirty="0">
-                <a:latin typeface="Courier"/>
-                <a:cs typeface="Courier"/>
-              </a:rPr>
-              <a:t>ADJOINT_TYPE= </a:t>
-            </a:r>
-            <a:r>
-              <a:rPr lang="en-US" sz="1400" dirty="0" smtClean="0">
-                <a:latin typeface="Courier"/>
-                <a:cs typeface="Courier"/>
-              </a:rPr>
-              <a:t>CONTINUOUS</a:t>
-            </a:r>
-          </a:p>
-          <a:p>
-            <a:r>
-              <a:rPr lang="en-US" sz="1400" dirty="0" smtClean="0">
-                <a:latin typeface="Courier"/>
-                <a:cs typeface="Courier"/>
-              </a:rPr>
-              <a:t>%</a:t>
-            </a:r>
-          </a:p>
-          <a:p>
-            <a:r>
-              <a:rPr lang="en-US" sz="1400" dirty="0">
-                <a:latin typeface="Courier"/>
-                <a:cs typeface="Courier"/>
-              </a:rPr>
-              <a:t>ADJ_OBJFUNC= </a:t>
-            </a:r>
-            <a:r>
-              <a:rPr lang="en-US" sz="1400" dirty="0" smtClean="0">
-                <a:latin typeface="Courier"/>
-                <a:cs typeface="Courier"/>
-              </a:rPr>
-              <a:t>DRAG</a:t>
-            </a:r>
-          </a:p>
-          <a:p>
-            <a:r>
-              <a:rPr lang="en-US" sz="1400" dirty="0" smtClean="0">
-                <a:latin typeface="Courier"/>
-                <a:cs typeface="Courier"/>
-              </a:rPr>
-              <a:t>%</a:t>
-            </a:r>
-          </a:p>
-          <a:p>
-            <a:r>
-              <a:rPr lang="pl-PL" sz="1400" dirty="0">
-                <a:latin typeface="Courier"/>
-                <a:cs typeface="Courier"/>
-              </a:rPr>
-              <a:t>SOLUTION_FLOW_FILENAME= </a:t>
-            </a:r>
-            <a:r>
-              <a:rPr lang="pl-PL" sz="1400" dirty="0" err="1" smtClean="0">
-                <a:latin typeface="Courier"/>
-                <a:cs typeface="Courier"/>
-              </a:rPr>
-              <a:t>solution_flow.dat</a:t>
-            </a:r>
-            <a:endParaRPr lang="pl-PL" sz="1400" dirty="0">
-              <a:latin typeface="Courier"/>
-              <a:cs typeface="Courier"/>
-            </a:endParaRPr>
-          </a:p>
-        </p:txBody>
-      </p:sp>
     </p:spTree>
-    <p:custDataLst>
-      <p:tags r:id="rId1"/>
-    </p:custDataLst>
     <p:extLst>
       <p:ext uri="{BB962C8B-B14F-4D97-AF65-F5344CB8AC3E}">
-        <p14:creationId xmlns:p14="http://schemas.microsoft.com/office/powerpoint/2010/main" val="3651468860"/>
+        <p14:creationId xmlns:p14="http://schemas.microsoft.com/office/powerpoint/2010/main" val="2870640202"/>
       </p:ext>
     </p:extLst>
   </p:cSld>
   <p:clrMapOvr>
     <a:masterClrMapping/>
   </p:clrMapOvr>
-  <mc:AlternateContent xmlns:mc="http://schemas.openxmlformats.org/markup-compatibility/2006" xmlns:p14="http://schemas.microsoft.com/office/powerpoint/2010/main">
-    <mc:Choice Requires="p14">
-      <p:transition spd="slow" p14:dur="2000" advTm="104325"/>
-    </mc:Choice>
-    <mc:Fallback xmlns:mv="urn:schemas-microsoft-com:mac:vml" xmlns="">
-      <p:transition spd="slow" advTm="104325"/>
-    </mc:Fallback>
-  </mc:AlternateContent>
-  <p:timing>
-    <p:tnLst>
-      <p:par>
-        <p:cTn id="1" dur="indefinite" restart="never" nodeType="tmRoot"/>
-      </p:par>
-    </p:tnLst>
-  </p:timing>
 </p:sld>
 </file>
 
@@ -4108,7 +3895,7 @@
       </p:grpSpPr>
       <p:sp>
         <p:nvSpPr>
-          <p:cNvPr id="2" name="Title 1"/>
+          <p:cNvPr id="2" name="Título 1"/>
           <p:cNvSpPr>
             <a:spLocks noGrp="1"/>
           </p:cNvSpPr>
@@ -4123,38 +3910,22 @@
           <a:p>
             <a:r>
               <a:rPr lang="en-US" dirty="0" smtClean="0"/>
-              <a:t>Interactive</a:t>
-            </a:r>
-            <a:endParaRPr lang="en-US" dirty="0"/>
-          </a:p>
-        </p:txBody>
-      </p:sp>
-      <p:sp>
-        <p:nvSpPr>
-          <p:cNvPr id="3" name="Content Placeholder 2"/>
-          <p:cNvSpPr>
-            <a:spLocks noGrp="1"/>
-          </p:cNvSpPr>
-          <p:nvPr>
-            <p:ph idx="1"/>
-          </p:nvPr>
-        </p:nvSpPr>
-        <p:spPr/>
-        <p:txBody>
-          <a:bodyPr/>
-          <a:lstStyle/>
-          <a:p>
-            <a:r>
+              <a:t>Example:</a:t>
+            </a:r>
+            <a:br>
               <a:rPr lang="en-US" dirty="0" smtClean="0"/>
-              <a:t>Adjoint Solution</a:t>
-            </a:r>
-            <a:endParaRPr lang="en-US" dirty="0"/>
-          </a:p>
-        </p:txBody>
-      </p:sp>
-      <p:sp>
-        <p:nvSpPr>
-          <p:cNvPr id="4" name="Date Placeholder 3"/>
+            </a:br>
+            <a:r>
+              <a:rPr lang="en-US" dirty="0" smtClean="0"/>
+              <a:t>Separated Flow Over Cylinder</a:t>
+            </a:r>
+            <a:endParaRPr lang="en-US" sz="2400" dirty="0"/>
+          </a:p>
+        </p:txBody>
+      </p:sp>
+      <p:sp>
+        <p:nvSpPr>
+          <p:cNvPr id="5" name="Marcador de fecha 4"/>
           <p:cNvSpPr>
             <a:spLocks noGrp="1"/>
           </p:cNvSpPr>
@@ -4171,13 +3942,13 @@
               <a:rPr lang="en-US" smtClean="0"/>
               <a:t>Jan 15th, 2013</a:t>
             </a:r>
-            <a:endParaRPr lang="en-US" dirty="0"/>
-          </a:p>
-        </p:txBody>
-      </p:sp>
-      <p:sp>
-        <p:nvSpPr>
-          <p:cNvPr id="5" name="Footer Placeholder 4"/>
+            <a:endParaRPr lang="en-US"/>
+          </a:p>
+        </p:txBody>
+      </p:sp>
+      <p:sp>
+        <p:nvSpPr>
+          <p:cNvPr id="6" name="Marcador de pie de página 5"/>
           <p:cNvSpPr>
             <a:spLocks noGrp="1"/>
           </p:cNvSpPr>
@@ -4200,7 +3971,7 @@
       </p:sp>
       <p:sp>
         <p:nvSpPr>
-          <p:cNvPr id="6" name="Slide Number Placeholder 5"/>
+          <p:cNvPr id="3" name="Slide Number Placeholder 2"/>
           <p:cNvSpPr>
             <a:spLocks noGrp="1"/>
           </p:cNvSpPr>
@@ -4222,16 +3993,59 @@
           </a:p>
         </p:txBody>
       </p:sp>
+      <p:pic>
+        <p:nvPicPr>
+          <p:cNvPr id="10" name="Content Placeholder 9" descr="vortex_street.png"/>
+          <p:cNvPicPr>
+            <a:picLocks noGrp="1" noChangeAspect="1"/>
+          </p:cNvPicPr>
+          <p:nvPr>
+            <p:ph idx="1"/>
+          </p:nvPr>
+        </p:nvPicPr>
+        <p:blipFill>
+          <a:blip r:embed="rId4">
+            <a:extLst>
+              <a:ext uri="{28A0092B-C50C-407E-A947-70E740481C1C}">
+                <a14:useLocalDpi xmlns:a14="http://schemas.microsoft.com/office/drawing/2010/main" val="0"/>
+              </a:ext>
+            </a:extLst>
+          </a:blip>
+          <a:srcRect t="518" b="518"/>
+          <a:stretch>
+            <a:fillRect/>
+          </a:stretch>
+        </p:blipFill>
+        <p:spPr/>
+      </p:pic>
     </p:spTree>
+    <p:custDataLst>
+      <p:tags r:id="rId1"/>
+    </p:custDataLst>
     <p:extLst>
       <p:ext uri="{BB962C8B-B14F-4D97-AF65-F5344CB8AC3E}">
-        <p14:creationId xmlns:p14="http://schemas.microsoft.com/office/powerpoint/2010/main" val="2870640202"/>
+        <p14:creationId xmlns:p14="http://schemas.microsoft.com/office/powerpoint/2010/main" val="2719723296"/>
       </p:ext>
     </p:extLst>
   </p:cSld>
   <p:clrMapOvr>
     <a:masterClrMapping/>
   </p:clrMapOvr>
+  <mc:AlternateContent xmlns:mc="http://schemas.openxmlformats.org/markup-compatibility/2006" xmlns:p14="http://schemas.microsoft.com/office/powerpoint/2010/main">
+    <mc:Choice Requires="p14">
+      <p:transition spd="slow" p14:dur="2000" advTm="104325"/>
+    </mc:Choice>
+    <mc:Fallback xmlns="" xmlns:mv="urn:schemas-microsoft-com:mac:vml">
+      <p:transition spd="slow" advTm="104325"/>
+    </mc:Fallback>
+  </mc:AlternateContent>
+  <p:timing>
+    <p:tnLst>
+      <p:par>
+        <p:cTn id="1" dur="indefinite" restart="never" nodeType="tmRoot"/>
+      </p:par>
+    </p:tnLst>
+  </p:timing>
 </p:sld>
 </file>
 
@@ -4276,7 +4090,7 @@
             </a:br>
             <a:r>
               <a:rPr lang="en-US" dirty="0" smtClean="0"/>
-              <a:t>Separated Flow Over Cylinder</a:t>
+              <a:t>Tip Vortices From Rotor</a:t>
             </a:r>
             <a:endParaRPr lang="en-US" sz="2400" dirty="0"/>
           </a:p>
@@ -4354,7 +4168,7 @@
       </p:sp>
       <p:pic>
         <p:nvPicPr>
-          <p:cNvPr id="10" name="Content Placeholder 9" descr="vortex_street.png"/>
+          <p:cNvPr id="8" name="Content Placeholder 7" descr="vorticity.png"/>
           <p:cNvPicPr>
             <a:picLocks noGrp="1" noChangeAspect="1"/>
           </p:cNvPicPr>
@@ -4370,7 +4184,7 @@
               </a:ext>
             </a:extLst>
           </a:blip>
-          <a:srcRect t="518" b="518"/>
+          <a:srcRect l="4464" r="4464"/>
           <a:stretch>
             <a:fillRect/>
           </a:stretch>
@@ -4383,7 +4197,7 @@
     </p:custDataLst>
     <p:extLst>
       <p:ext uri="{BB962C8B-B14F-4D97-AF65-F5344CB8AC3E}">
-        <p14:creationId xmlns:p14="http://schemas.microsoft.com/office/powerpoint/2010/main" val="2719723296"/>
+        <p14:creationId xmlns:p14="http://schemas.microsoft.com/office/powerpoint/2010/main" val="236957229"/>
       </p:ext>
     </p:extLst>
   </p:cSld>
@@ -4394,7 +4208,7 @@
     <mc:Choice Requires="p14">
       <p:transition spd="slow" p14:dur="2000" advTm="104325"/>
     </mc:Choice>
-    <mc:Fallback xmlns:mv="urn:schemas-microsoft-com:mac:vml" xmlns="">
+    <mc:Fallback xmlns="" xmlns:mv="urn:schemas-microsoft-com:mac:vml">
       <p:transition spd="slow" advTm="104325"/>
     </mc:Fallback>
   </mc:AlternateContent>
@@ -4442,14 +4256,7 @@
           <a:p>
             <a:r>
               <a:rPr lang="en-US" dirty="0" smtClean="0"/>
-              <a:t>Example:</a:t>
-            </a:r>
-            <a:br>
-              <a:rPr lang="en-US" dirty="0" smtClean="0"/>
-            </a:br>
-            <a:r>
-              <a:rPr lang="en-US" dirty="0" smtClean="0"/>
-              <a:t>Tip Vortices From Rotor</a:t>
+              <a:t>Additional Resources</a:t>
             </a:r>
             <a:endParaRPr lang="en-US" sz="2400" dirty="0"/>
           </a:p>
@@ -4525,172 +4332,6 @@
           </a:p>
         </p:txBody>
       </p:sp>
-      <p:pic>
-        <p:nvPicPr>
-          <p:cNvPr id="8" name="Content Placeholder 7" descr="vorticity.png"/>
-          <p:cNvPicPr>
-            <a:picLocks noGrp="1" noChangeAspect="1"/>
-          </p:cNvPicPr>
-          <p:nvPr>
-            <p:ph idx="1"/>
-          </p:nvPr>
-        </p:nvPicPr>
-        <p:blipFill>
-          <a:blip r:embed="rId4">
-            <a:extLst>
-              <a:ext uri="{28A0092B-C50C-407E-A947-70E740481C1C}">
-                <a14:useLocalDpi xmlns:a14="http://schemas.microsoft.com/office/drawing/2010/main" val="0"/>
-              </a:ext>
-            </a:extLst>
-          </a:blip>
-          <a:srcRect l="4464" r="4464"/>
-          <a:stretch>
-            <a:fillRect/>
-          </a:stretch>
-        </p:blipFill>
-        <p:spPr/>
-      </p:pic>
-    </p:spTree>
-    <p:custDataLst>
-      <p:tags r:id="rId1"/>
-    </p:custDataLst>
-    <p:extLst>
-      <p:ext uri="{BB962C8B-B14F-4D97-AF65-F5344CB8AC3E}">
-        <p14:creationId xmlns:p14="http://schemas.microsoft.com/office/powerpoint/2010/main" val="236957229"/>
-      </p:ext>
-    </p:extLst>
-  </p:cSld>
-  <p:clrMapOvr>
-    <a:masterClrMapping/>
-  </p:clrMapOvr>
-  <mc:AlternateContent xmlns:mc="http://schemas.openxmlformats.org/markup-compatibility/2006" xmlns:p14="http://schemas.microsoft.com/office/powerpoint/2010/main">
-    <mc:Choice Requires="p14">
-      <p:transition spd="slow" p14:dur="2000" advTm="104325"/>
-    </mc:Choice>
-    <mc:Fallback xmlns:mv="urn:schemas-microsoft-com:mac:vml" xmlns="">
-      <p:transition spd="slow" advTm="104325"/>
-    </mc:Fallback>
-  </mc:AlternateContent>
-  <p:timing>
-    <p:tnLst>
-      <p:par>
-        <p:cTn id="1" dur="indefinite" restart="never" nodeType="tmRoot"/>
-      </p:par>
-    </p:tnLst>
-  </p:timing>
-</p:sld>
-</file>
-
-<file path=ppt/slides/slide14.xml><?xml version="1.0" encoding="utf-8"?>
-<p:sld xmlns:a="http://schemas.openxmlformats.org/drawingml/2006/main" xmlns:r="http://schemas.openxmlformats.org/officeDocument/2006/relationships" xmlns:p="http://schemas.openxmlformats.org/presentationml/2006/main">
-  <p:cSld>
-    <p:spTree>
-      <p:nvGrpSpPr>
-        <p:cNvPr id="1" name=""/>
-        <p:cNvGrpSpPr/>
-        <p:nvPr/>
-      </p:nvGrpSpPr>
-      <p:grpSpPr>
-        <a:xfrm>
-          <a:off x="0" y="0"/>
-          <a:ext cx="0" cy="0"/>
-          <a:chOff x="0" y="0"/>
-          <a:chExt cx="0" cy="0"/>
-        </a:xfrm>
-      </p:grpSpPr>
-      <p:sp>
-        <p:nvSpPr>
-          <p:cNvPr id="2" name="Título 1"/>
-          <p:cNvSpPr>
-            <a:spLocks noGrp="1"/>
-          </p:cNvSpPr>
-          <p:nvPr>
-            <p:ph type="title"/>
-          </p:nvPr>
-        </p:nvSpPr>
-        <p:spPr/>
-        <p:txBody>
-          <a:bodyPr/>
-          <a:lstStyle/>
-          <a:p>
-            <a:r>
-              <a:rPr lang="en-US" dirty="0" smtClean="0"/>
-              <a:t>Additional Resources</a:t>
-            </a:r>
-            <a:endParaRPr lang="en-US" sz="2400" dirty="0"/>
-          </a:p>
-        </p:txBody>
-      </p:sp>
-      <p:sp>
-        <p:nvSpPr>
-          <p:cNvPr id="5" name="Marcador de fecha 4"/>
-          <p:cNvSpPr>
-            <a:spLocks noGrp="1"/>
-          </p:cNvSpPr>
-          <p:nvPr>
-            <p:ph type="dt" sz="half" idx="10"/>
-          </p:nvPr>
-        </p:nvSpPr>
-        <p:spPr/>
-        <p:txBody>
-          <a:bodyPr/>
-          <a:lstStyle/>
-          <a:p>
-            <a:r>
-              <a:rPr lang="en-US" smtClean="0"/>
-              <a:t>Jan 15th, 2013</a:t>
-            </a:r>
-            <a:endParaRPr lang="en-US"/>
-          </a:p>
-        </p:txBody>
-      </p:sp>
-      <p:sp>
-        <p:nvSpPr>
-          <p:cNvPr id="6" name="Marcador de pie de página 5"/>
-          <p:cNvSpPr>
-            <a:spLocks noGrp="1"/>
-          </p:cNvSpPr>
-          <p:nvPr>
-            <p:ph type="ftr" sz="quarter" idx="11"/>
-          </p:nvPr>
-        </p:nvSpPr>
-        <p:spPr/>
-        <p:txBody>
-          <a:bodyPr/>
-          <a:lstStyle/>
-          <a:p>
-            <a:r>
-              <a:rPr lang="en-US" smtClean="0"/>
-              <a:t>SU2 Release Version 2.0 Workshop</a:t>
-            </a:r>
-            <a:endParaRPr lang="en-US"/>
-          </a:p>
-        </p:txBody>
-      </p:sp>
-      <p:sp>
-        <p:nvSpPr>
-          <p:cNvPr id="3" name="Slide Number Placeholder 2"/>
-          <p:cNvSpPr>
-            <a:spLocks noGrp="1"/>
-          </p:cNvSpPr>
-          <p:nvPr>
-            <p:ph type="sldNum" sz="quarter" idx="12"/>
-          </p:nvPr>
-        </p:nvSpPr>
-        <p:spPr/>
-        <p:txBody>
-          <a:bodyPr/>
-          <a:lstStyle/>
-          <a:p>
-            <a:fld id="{13327632-CE63-A847-914F-A1F825E2A685}" type="slidenum">
-              <a:rPr lang="en-US" smtClean="0"/>
-              <a:pPr/>
-              <a:t>14</a:t>
-            </a:fld>
-            <a:endParaRPr lang="en-US"/>
-          </a:p>
-        </p:txBody>
-      </p:sp>
       <p:sp>
         <p:nvSpPr>
           <p:cNvPr id="4" name="Content Placeholder 3"/>
@@ -4741,11 +4382,7 @@
             </a:pPr>
             <a:r>
               <a:rPr lang="en-US" sz="2400" dirty="0" smtClean="0"/>
-              <a:t>	</a:t>
-            </a:r>
-            <a:r>
-              <a:rPr lang="en-US" sz="2400" dirty="0" smtClean="0"/>
-              <a:t>su2.stanford.edu &gt; Training</a:t>
+              <a:t>	su2.stanford.edu &gt; Training</a:t>
             </a:r>
           </a:p>
           <a:p>
@@ -4768,7 +4405,6 @@
               <a:rPr lang="en-US" sz="2400" dirty="0" smtClean="0"/>
               <a:t>Tutorials</a:t>
             </a:r>
-            <a:endParaRPr lang="en-US" sz="2400" dirty="0" smtClean="0"/>
           </a:p>
           <a:p>
             <a:r>
@@ -4777,11 +4413,7 @@
             </a:r>
             <a:r>
               <a:rPr lang="en-US" sz="2800" dirty="0" smtClean="0"/>
-              <a:t> </a:t>
-            </a:r>
-            <a:r>
-              <a:rPr lang="en-US" sz="2800" dirty="0" smtClean="0"/>
-              <a:t>directory</a:t>
+              <a:t> directory</a:t>
             </a:r>
           </a:p>
           <a:p>
@@ -4790,19 +4422,7 @@
             </a:pPr>
             <a:r>
               <a:rPr lang="en-US" sz="2400" dirty="0" smtClean="0"/>
-              <a:t>	</a:t>
-            </a:r>
-            <a:r>
-              <a:rPr lang="en-US" sz="2400" dirty="0" smtClean="0"/>
-              <a:t>github.com/</a:t>
-            </a:r>
-            <a:r>
-              <a:rPr lang="en-US" sz="2400" dirty="0" smtClean="0"/>
-              <a:t>su2code</a:t>
-            </a:r>
-            <a:r>
-              <a:rPr lang="en-US" sz="2400" dirty="0" smtClean="0"/>
-              <a:t>/</a:t>
+              <a:t>	github.com/su2code/</a:t>
             </a:r>
             <a:r>
               <a:rPr lang="en-US" sz="2400" dirty="0" err="1" smtClean="0"/>
@@ -4863,7 +4483,7 @@
     <mc:Choice Requires="p14">
       <p:transition spd="slow" p14:dur="2000" advTm="104325"/>
     </mc:Choice>
-    <mc:Fallback xmlns:mv="urn:schemas-microsoft-com:mac:vml" xmlns="">
+    <mc:Fallback xmlns="" xmlns:mv="urn:schemas-microsoft-com:mac:vml">
       <p:transition spd="slow" advTm="104325"/>
     </mc:Fallback>
   </mc:AlternateContent>
@@ -4923,30 +4543,13 @@
               <a:rPr lang="en-US" sz="2800" dirty="0" smtClean="0">
                 <a:ea typeface="ＭＳ Ｐゴシック" charset="-128"/>
               </a:rPr>
-              <a:t>SU</a:t>
-            </a:r>
-            <a:r>
-              <a:rPr lang="en-US" sz="2800" baseline="30000" dirty="0" smtClean="0">
-                <a:ea typeface="ＭＳ Ｐゴシック" charset="-128"/>
-              </a:rPr>
-              <a:t>2</a:t>
+              <a:t>What </a:t>
             </a:r>
             <a:r>
               <a:rPr lang="en-US" sz="2800" dirty="0" smtClean="0">
                 <a:ea typeface="ＭＳ Ｐゴシック" charset="-128"/>
               </a:rPr>
-              <a:t> environment variable</a:t>
-            </a:r>
-          </a:p>
-          <a:p>
-            <a:pPr eaLnBrk="1" hangingPunct="1">
-              <a:defRPr/>
-            </a:pPr>
-            <a:r>
-              <a:rPr lang="en-US" sz="2800" dirty="0" smtClean="0">
-                <a:ea typeface="ＭＳ Ｐゴシック" charset="-128"/>
-              </a:rPr>
-              <a:t>What do I need to run a simulation?</a:t>
+              <a:t>do I need to run a simulation?</a:t>
             </a:r>
           </a:p>
           <a:p>
@@ -5203,7 +4806,7 @@
     <mc:Choice Requires="p14">
       <p:transition spd="slow" p14:dur="2000" advTm="3078"/>
     </mc:Choice>
-    <mc:Fallback xmlns:mv="urn:schemas-microsoft-com:mac:vml" xmlns="">
+    <mc:Fallback xmlns="" xmlns:mv="urn:schemas-microsoft-com:mac:vml">
       <p:transition spd="slow" advTm="3078"/>
     </mc:Fallback>
   </mc:AlternateContent>
@@ -5251,17 +4854,13 @@
           <a:p>
             <a:r>
               <a:rPr lang="en-US" dirty="0" smtClean="0"/>
-              <a:t>SU</a:t>
+              <a:t>Running Simulations with SU</a:t>
             </a:r>
             <a:r>
               <a:rPr lang="en-US" baseline="30000" dirty="0" smtClean="0"/>
               <a:t>2</a:t>
             </a:r>
-            <a:r>
-              <a:rPr lang="en-US" dirty="0" smtClean="0"/>
-              <a:t> Environment Variables</a:t>
-            </a:r>
-            <a:endParaRPr lang="en-US" dirty="0"/>
+            <a:endParaRPr lang="en-US" baseline="30000" dirty="0"/>
           </a:p>
         </p:txBody>
       </p:sp>
@@ -5282,7 +4881,7 @@
           <a:p>
             <a:r>
               <a:rPr lang="en-US" sz="2800" dirty="0" smtClean="0"/>
-              <a:t>Did you set your SU</a:t>
+              <a:t>What do I need to run simulations with SU</a:t>
             </a:r>
             <a:r>
               <a:rPr lang="en-US" sz="2800" baseline="30000" dirty="0" smtClean="0"/>
@@ -5290,21 +4889,102 @@
             </a:r>
             <a:r>
               <a:rPr lang="en-US" sz="2800" dirty="0" smtClean="0"/>
-              <a:t> environment variables during the installation procedure?</a:t>
+              <a:t>?</a:t>
+            </a:r>
+          </a:p>
+          <a:p>
+            <a:pPr lvl="1"/>
+            <a:r>
+              <a:rPr lang="en-US" dirty="0" smtClean="0"/>
+              <a:t>Configuration file (.</a:t>
+            </a:r>
+            <a:r>
+              <a:rPr lang="en-US" dirty="0" err="1" smtClean="0"/>
+              <a:t>cfg</a:t>
+            </a:r>
+            <a:r>
+              <a:rPr lang="en-US" dirty="0" smtClean="0"/>
+              <a:t>)</a:t>
+            </a:r>
+          </a:p>
+          <a:p>
+            <a:pPr lvl="1"/>
+            <a:r>
+              <a:rPr lang="en-US" dirty="0" smtClean="0"/>
+              <a:t>Mesh file (.su2 or .</a:t>
+            </a:r>
+            <a:r>
+              <a:rPr lang="en-US" dirty="0" err="1" smtClean="0"/>
+              <a:t>cgns</a:t>
+            </a:r>
+            <a:r>
+              <a:rPr lang="en-US" dirty="0" smtClean="0"/>
+              <a:t>)</a:t>
             </a:r>
           </a:p>
           <a:p>
             <a:r>
               <a:rPr lang="en-US" sz="2800" dirty="0" smtClean="0"/>
-              <a:t>i.e., in .</a:t>
-            </a:r>
-            <a:r>
-              <a:rPr lang="en-US" sz="2800" dirty="0" err="1" smtClean="0"/>
-              <a:t>bashrc</a:t>
-            </a:r>
+              <a:t>This session will use:</a:t>
+            </a:r>
+          </a:p>
+          <a:p>
+            <a:pPr lvl="1"/>
+            <a:r>
+              <a:rPr lang="en-US" sz="2400" dirty="0"/>
+              <a:t>i</a:t>
+            </a:r>
+            <a:r>
+              <a:rPr lang="en-US" sz="2400" dirty="0" smtClean="0"/>
+              <a:t>nv_NACA0012.cfg</a:t>
+            </a:r>
+          </a:p>
+          <a:p>
+            <a:pPr lvl="1"/>
+            <a:r>
+              <a:rPr lang="en-US" sz="2400" dirty="0" smtClean="0"/>
+              <a:t>Mesh_NACA0012_inv.su2</a:t>
+            </a:r>
+            <a:endParaRPr lang="en-US" sz="2400" dirty="0"/>
+          </a:p>
+          <a:p>
             <a:r>
               <a:rPr lang="en-US" sz="2800" dirty="0" smtClean="0"/>
-              <a:t>:</a:t>
+              <a:t>These are found in</a:t>
+            </a:r>
+          </a:p>
+          <a:p>
+            <a:pPr marL="457200" lvl="1" indent="0">
+              <a:buNone/>
+            </a:pPr>
+            <a:r>
+              <a:rPr lang="en-US" sz="2400" dirty="0" smtClean="0"/>
+              <a:t>	</a:t>
+            </a:r>
+            <a:r>
+              <a:rPr lang="en-US" sz="2400" dirty="0"/>
+              <a:t>su2.stanford.edu &gt; Training</a:t>
+            </a:r>
+          </a:p>
+          <a:p>
+            <a:pPr marL="457200" lvl="1" indent="0">
+              <a:buNone/>
+            </a:pPr>
+            <a:r>
+              <a:rPr lang="en-US" sz="2400" dirty="0"/>
+              <a:t>	</a:t>
+            </a:r>
+            <a:r>
+              <a:rPr lang="en-US" sz="2400" dirty="0" smtClean="0"/>
+              <a:t>github.com/su2code/</a:t>
+            </a:r>
+            <a:r>
+              <a:rPr lang="en-US" sz="2400" dirty="0" err="1" smtClean="0"/>
+              <a:t>TestCases</a:t>
+            </a:r>
+            <a:r>
+              <a:rPr lang="en-US" sz="2400" dirty="0" smtClean="0"/>
+              <a:t>/inv_NACA0012/</a:t>
             </a:r>
           </a:p>
         </p:txBody>
@@ -5376,155 +5056,6 @@
               <a:t>3</a:t>
             </a:fld>
             <a:endParaRPr lang="en-US"/>
-          </a:p>
-        </p:txBody>
-      </p:sp>
-      <p:sp>
-        <p:nvSpPr>
-          <p:cNvPr id="8" name="TextBox 7"/>
-          <p:cNvSpPr txBox="1"/>
-          <p:nvPr/>
-        </p:nvSpPr>
-        <p:spPr>
-          <a:xfrm>
-            <a:off x="599440" y="3108960"/>
-            <a:ext cx="7934960" cy="1815882"/>
-          </a:xfrm>
-          <a:prstGeom prst="rect">
-            <a:avLst/>
-          </a:prstGeom>
-          <a:solidFill>
-            <a:srgbClr val="FFFA9F"/>
-          </a:solidFill>
-          <a:ln>
-            <a:solidFill>
-              <a:schemeClr val="bg2"/>
-            </a:solidFill>
-          </a:ln>
-        </p:spPr>
-        <p:txBody>
-          <a:bodyPr wrap="square" rtlCol="0">
-            <a:spAutoFit/>
-          </a:bodyPr>
-          <a:lstStyle/>
-          <a:p>
-            <a:r>
-              <a:rPr lang="en-US" sz="1400" dirty="0" smtClean="0">
-                <a:latin typeface="Courier"/>
-                <a:cs typeface="Courier"/>
-              </a:rPr>
-              <a:t># Set the SU2 source code home directory</a:t>
-            </a:r>
-          </a:p>
-          <a:p>
-            <a:r>
-              <a:rPr lang="en-US" sz="1400" dirty="0">
-                <a:latin typeface="Courier"/>
-                <a:cs typeface="Courier"/>
-              </a:rPr>
-              <a:t>e</a:t>
-            </a:r>
-            <a:r>
-              <a:rPr lang="en-US" sz="1400" dirty="0" smtClean="0">
-                <a:latin typeface="Courier"/>
-                <a:cs typeface="Courier"/>
-              </a:rPr>
-              <a:t>xport SU2_HOME=/Users/</a:t>
-            </a:r>
-            <a:r>
-              <a:rPr lang="en-US" sz="1400" dirty="0" err="1" smtClean="0">
-                <a:latin typeface="Courier"/>
-                <a:cs typeface="Courier"/>
-              </a:rPr>
-              <a:t>tomtaylor</a:t>
-            </a:r>
-            <a:r>
-              <a:rPr lang="en-US" sz="1400" dirty="0" smtClean="0">
-                <a:latin typeface="Courier"/>
-                <a:cs typeface="Courier"/>
-              </a:rPr>
-              <a:t>/SU2</a:t>
-            </a:r>
-          </a:p>
-          <a:p>
-            <a:endParaRPr lang="en-US" sz="1400" dirty="0">
-              <a:latin typeface="Courier"/>
-              <a:cs typeface="Courier"/>
-            </a:endParaRPr>
-          </a:p>
-          <a:p>
-            <a:r>
-              <a:rPr lang="en-US" sz="1400" dirty="0" smtClean="0">
-                <a:latin typeface="Courier"/>
-                <a:cs typeface="Courier"/>
-              </a:rPr>
-              <a:t># Identify directory where SU2 </a:t>
-            </a:r>
-            <a:r>
-              <a:rPr lang="en-US" sz="1400" dirty="0" err="1" smtClean="0">
-                <a:latin typeface="Courier"/>
-                <a:cs typeface="Courier"/>
-              </a:rPr>
-              <a:t>executables</a:t>
-            </a:r>
-            <a:r>
-              <a:rPr lang="en-US" sz="1400" dirty="0" smtClean="0">
-                <a:latin typeface="Courier"/>
-                <a:cs typeface="Courier"/>
-              </a:rPr>
-              <a:t> and python scripts are stored</a:t>
-            </a:r>
-          </a:p>
-          <a:p>
-            <a:r>
-              <a:rPr lang="en-US" sz="1400" dirty="0" smtClean="0">
-                <a:latin typeface="Courier"/>
-                <a:cs typeface="Courier"/>
-              </a:rPr>
-              <a:t>Export SU2_RUN=/Users/</a:t>
-            </a:r>
-            <a:r>
-              <a:rPr lang="en-US" sz="1400" dirty="0" err="1" smtClean="0">
-                <a:latin typeface="Courier"/>
-                <a:cs typeface="Courier"/>
-              </a:rPr>
-              <a:t>tomtaylor</a:t>
-            </a:r>
-            <a:r>
-              <a:rPr lang="en-US" sz="1400" dirty="0" smtClean="0">
-                <a:latin typeface="Courier"/>
-                <a:cs typeface="Courier"/>
-              </a:rPr>
-              <a:t>/SU2Py</a:t>
-            </a:r>
-          </a:p>
-          <a:p>
-            <a:endParaRPr lang="en-US" sz="1400" dirty="0">
-              <a:latin typeface="Courier"/>
-              <a:cs typeface="Courier"/>
-            </a:endParaRPr>
-          </a:p>
-          <a:p>
-            <a:r>
-              <a:rPr lang="en-US" sz="1400" dirty="0" smtClean="0">
-                <a:latin typeface="Courier"/>
-                <a:cs typeface="Courier"/>
-              </a:rPr>
-              <a:t># Add SU2_RUN to the $PATH</a:t>
-            </a:r>
-          </a:p>
-          <a:p>
-            <a:r>
-              <a:rPr lang="en-US" sz="1400" dirty="0" smtClean="0">
-                <a:latin typeface="Courier"/>
-                <a:cs typeface="Courier"/>
-              </a:rPr>
-              <a:t>Export PATH=$PATH:$SU2_RUN</a:t>
-            </a:r>
-            <a:endParaRPr lang="en-US" sz="1400" dirty="0">
-              <a:latin typeface="Courier"/>
-              <a:cs typeface="Courier"/>
-            </a:endParaRPr>
           </a:p>
         </p:txBody>
       </p:sp>
@@ -5555,7 +5086,7 @@
       </p:grpSpPr>
       <p:sp>
         <p:nvSpPr>
-          <p:cNvPr id="2" name="Title 1"/>
+          <p:cNvPr id="2" name="Título 1"/>
           <p:cNvSpPr>
             <a:spLocks noGrp="1"/>
           </p:cNvSpPr>
@@ -5570,152 +5101,22 @@
           <a:p>
             <a:r>
               <a:rPr lang="en-US" dirty="0" smtClean="0"/>
-              <a:t>Running Simulations with SU</a:t>
-            </a:r>
-            <a:r>
-              <a:rPr lang="en-US" baseline="30000" dirty="0" smtClean="0"/>
-              <a:t>2</a:t>
-            </a:r>
-            <a:endParaRPr lang="en-US" baseline="30000" dirty="0"/>
-          </a:p>
-        </p:txBody>
-      </p:sp>
-      <p:sp>
-        <p:nvSpPr>
-          <p:cNvPr id="3" name="Content Placeholder 2"/>
-          <p:cNvSpPr>
-            <a:spLocks noGrp="1"/>
-          </p:cNvSpPr>
-          <p:nvPr>
-            <p:ph idx="1"/>
-          </p:nvPr>
-        </p:nvSpPr>
-        <p:spPr/>
-        <p:txBody>
-          <a:bodyPr/>
-          <a:lstStyle/>
-          <a:p>
-            <a:r>
-              <a:rPr lang="en-US" sz="2800" dirty="0" smtClean="0"/>
-              <a:t>What do I need to run simulations with SU</a:t>
-            </a:r>
-            <a:r>
-              <a:rPr lang="en-US" sz="2800" baseline="30000" dirty="0" smtClean="0"/>
-              <a:t>2</a:t>
-            </a:r>
-            <a:r>
-              <a:rPr lang="en-US" sz="2800" dirty="0" smtClean="0"/>
-              <a:t>?</a:t>
-            </a:r>
-          </a:p>
-          <a:p>
-            <a:pPr lvl="1"/>
-            <a:r>
+              <a:t>Test Case</a:t>
+            </a:r>
+            <a:br>
               <a:rPr lang="en-US" dirty="0" smtClean="0"/>
-              <a:t>Configuration file (.</a:t>
-            </a:r>
-            <a:r>
-              <a:rPr lang="en-US" dirty="0" err="1" smtClean="0"/>
-              <a:t>cfg</a:t>
-            </a:r>
-            <a:r>
-              <a:rPr lang="en-US" dirty="0" smtClean="0"/>
-              <a:t>)</a:t>
-            </a:r>
-          </a:p>
-          <a:p>
-            <a:pPr lvl="1"/>
-            <a:r>
-              <a:rPr lang="en-US" dirty="0" smtClean="0"/>
-              <a:t>Mesh file (.su2 or .</a:t>
-            </a:r>
-            <a:r>
-              <a:rPr lang="en-US" dirty="0" err="1" smtClean="0"/>
-              <a:t>cgns</a:t>
-            </a:r>
-            <a:r>
-              <a:rPr lang="en-US" dirty="0" smtClean="0"/>
-              <a:t>)</a:t>
-            </a:r>
-          </a:p>
-          <a:p>
-            <a:r>
-              <a:rPr lang="en-US" sz="2800" dirty="0" smtClean="0"/>
-              <a:t>This session will use:</a:t>
-            </a:r>
-          </a:p>
-          <a:p>
-            <a:pPr lvl="1"/>
-            <a:r>
-              <a:rPr lang="en-US" sz="2400" dirty="0"/>
-              <a:t>i</a:t>
-            </a:r>
+            </a:br>
             <a:r>
               <a:rPr lang="en-US" sz="2400" dirty="0" smtClean="0"/>
-              <a:t>nv_NACA0012.cfg</a:t>
-            </a:r>
-          </a:p>
-          <a:p>
-            <a:pPr lvl="1"/>
-            <a:r>
-              <a:rPr lang="en-US" sz="2400" dirty="0" smtClean="0"/>
-              <a:t>Mesh_NACA0012_inv.su2</a:t>
+              <a:t>NACA 0012 Airfoil</a:t>
             </a:r>
             <a:endParaRPr lang="en-US" sz="2400" dirty="0"/>
           </a:p>
-          <a:p>
-            <a:r>
-              <a:rPr lang="en-US" sz="2800" dirty="0" smtClean="0"/>
-              <a:t>These are found in</a:t>
-            </a:r>
-          </a:p>
-          <a:p>
-            <a:pPr marL="457200" lvl="1" indent="0">
-              <a:buNone/>
-            </a:pPr>
-            <a:r>
-              <a:rPr lang="en-US" sz="2400" dirty="0" smtClean="0"/>
-              <a:t>	</a:t>
-            </a:r>
-            <a:r>
-              <a:rPr lang="en-US" sz="2400" dirty="0"/>
-              <a:t>su2.stanford.edu &gt; Training</a:t>
-            </a:r>
-          </a:p>
-          <a:p>
-            <a:pPr marL="457200" lvl="1" indent="0">
-              <a:buNone/>
-            </a:pPr>
-            <a:r>
-              <a:rPr lang="en-US" sz="2400" dirty="0"/>
-              <a:t>	</a:t>
-            </a:r>
-            <a:r>
-              <a:rPr lang="en-US" sz="2400" dirty="0" smtClean="0"/>
-              <a:t>github.com/su2code</a:t>
-            </a:r>
-            <a:r>
-              <a:rPr lang="en-US" sz="2400" dirty="0" smtClean="0"/>
-              <a:t>/</a:t>
-            </a:r>
-            <a:r>
-              <a:rPr lang="en-US" sz="2400" dirty="0" err="1" smtClean="0"/>
-              <a:t>TestCases</a:t>
-            </a:r>
-            <a:r>
-              <a:rPr lang="en-US" sz="2400" dirty="0" smtClean="0"/>
-              <a:t>/inv_NACA0012</a:t>
-            </a:r>
-            <a:r>
-              <a:rPr lang="en-US" sz="2400" dirty="0" smtClean="0"/>
-              <a:t>/</a:t>
-            </a:r>
-          </a:p>
-        </p:txBody>
-      </p:sp>
-      <p:sp>
-        <p:nvSpPr>
-          <p:cNvPr id="4" name="Date Placeholder 3"/>
+        </p:txBody>
+      </p:sp>
+      <p:sp>
+        <p:nvSpPr>
+          <p:cNvPr id="5" name="Marcador de fecha 4"/>
           <p:cNvSpPr>
             <a:spLocks noGrp="1"/>
           </p:cNvSpPr>
@@ -5732,13 +5133,13 @@
               <a:rPr lang="en-US" smtClean="0"/>
               <a:t>Jan 15th, 2013</a:t>
             </a:r>
-            <a:endParaRPr lang="en-US" dirty="0"/>
-          </a:p>
-        </p:txBody>
-      </p:sp>
-      <p:sp>
-        <p:nvSpPr>
-          <p:cNvPr id="5" name="Footer Placeholder 4"/>
+            <a:endParaRPr lang="en-US"/>
+          </a:p>
+        </p:txBody>
+      </p:sp>
+      <p:sp>
+        <p:nvSpPr>
+          <p:cNvPr id="6" name="Marcador de pie de página 5"/>
           <p:cNvSpPr>
             <a:spLocks noGrp="1"/>
           </p:cNvSpPr>
@@ -5761,7 +5162,7 @@
       </p:sp>
       <p:sp>
         <p:nvSpPr>
-          <p:cNvPr id="6" name="Slide Number Placeholder 5"/>
+          <p:cNvPr id="3" name="Slide Number Placeholder 2"/>
           <p:cNvSpPr>
             <a:spLocks noGrp="1"/>
           </p:cNvSpPr>
@@ -5778,131 +5179,6 @@
               <a:rPr lang="en-US" smtClean="0"/>
               <a:pPr/>
               <a:t>4</a:t>
-            </a:fld>
-            <a:endParaRPr lang="en-US"/>
-          </a:p>
-        </p:txBody>
-      </p:sp>
-    </p:spTree>
-  </p:cSld>
-  <p:clrMapOvr>
-    <a:masterClrMapping/>
-  </p:clrMapOvr>
-</p:sld>
-</file>
-
-<file path=ppt/slides/slide5.xml><?xml version="1.0" encoding="utf-8"?>
-<p:sld xmlns:a="http://schemas.openxmlformats.org/drawingml/2006/main" xmlns:r="http://schemas.openxmlformats.org/officeDocument/2006/relationships" xmlns:p="http://schemas.openxmlformats.org/presentationml/2006/main">
-  <p:cSld>
-    <p:spTree>
-      <p:nvGrpSpPr>
-        <p:cNvPr id="1" name=""/>
-        <p:cNvGrpSpPr/>
-        <p:nvPr/>
-      </p:nvGrpSpPr>
-      <p:grpSpPr>
-        <a:xfrm>
-          <a:off x="0" y="0"/>
-          <a:ext cx="0" cy="0"/>
-          <a:chOff x="0" y="0"/>
-          <a:chExt cx="0" cy="0"/>
-        </a:xfrm>
-      </p:grpSpPr>
-      <p:sp>
-        <p:nvSpPr>
-          <p:cNvPr id="2" name="Título 1"/>
-          <p:cNvSpPr>
-            <a:spLocks noGrp="1"/>
-          </p:cNvSpPr>
-          <p:nvPr>
-            <p:ph type="title"/>
-          </p:nvPr>
-        </p:nvSpPr>
-        <p:spPr/>
-        <p:txBody>
-          <a:bodyPr/>
-          <a:lstStyle/>
-          <a:p>
-            <a:r>
-              <a:rPr lang="en-US" dirty="0" smtClean="0"/>
-              <a:t>Test Case</a:t>
-            </a:r>
-            <a:br>
-              <a:rPr lang="en-US" dirty="0" smtClean="0"/>
-            </a:br>
-            <a:r>
-              <a:rPr lang="en-US" sz="2400" dirty="0" smtClean="0"/>
-              <a:t>NACA 0012 Airfoil</a:t>
-            </a:r>
-            <a:endParaRPr lang="en-US" sz="2400" dirty="0"/>
-          </a:p>
-        </p:txBody>
-      </p:sp>
-      <p:sp>
-        <p:nvSpPr>
-          <p:cNvPr id="5" name="Marcador de fecha 4"/>
-          <p:cNvSpPr>
-            <a:spLocks noGrp="1"/>
-          </p:cNvSpPr>
-          <p:nvPr>
-            <p:ph type="dt" sz="half" idx="10"/>
-          </p:nvPr>
-        </p:nvSpPr>
-        <p:spPr/>
-        <p:txBody>
-          <a:bodyPr/>
-          <a:lstStyle/>
-          <a:p>
-            <a:r>
-              <a:rPr lang="en-US" smtClean="0"/>
-              <a:t>Jan 15th, 2013</a:t>
-            </a:r>
-            <a:endParaRPr lang="en-US"/>
-          </a:p>
-        </p:txBody>
-      </p:sp>
-      <p:sp>
-        <p:nvSpPr>
-          <p:cNvPr id="6" name="Marcador de pie de página 5"/>
-          <p:cNvSpPr>
-            <a:spLocks noGrp="1"/>
-          </p:cNvSpPr>
-          <p:nvPr>
-            <p:ph type="ftr" sz="quarter" idx="11"/>
-          </p:nvPr>
-        </p:nvSpPr>
-        <p:spPr/>
-        <p:txBody>
-          <a:bodyPr/>
-          <a:lstStyle/>
-          <a:p>
-            <a:r>
-              <a:rPr lang="en-US" smtClean="0"/>
-              <a:t>SU2 Release Version 2.0 Workshop</a:t>
-            </a:r>
-            <a:endParaRPr lang="en-US"/>
-          </a:p>
-        </p:txBody>
-      </p:sp>
-      <p:sp>
-        <p:nvSpPr>
-          <p:cNvPr id="3" name="Slide Number Placeholder 2"/>
-          <p:cNvSpPr>
-            <a:spLocks noGrp="1"/>
-          </p:cNvSpPr>
-          <p:nvPr>
-            <p:ph type="sldNum" sz="quarter" idx="12"/>
-          </p:nvPr>
-        </p:nvSpPr>
-        <p:spPr/>
-        <p:txBody>
-          <a:bodyPr/>
-          <a:lstStyle/>
-          <a:p>
-            <a:fld id="{13327632-CE63-A847-914F-A1F825E2A685}" type="slidenum">
-              <a:rPr lang="en-US" smtClean="0"/>
-              <a:pPr/>
-              <a:t>5</a:t>
             </a:fld>
             <a:endParaRPr lang="en-US"/>
           </a:p>
@@ -6015,7 +5291,430 @@
     <mc:Choice Requires="p14">
       <p:transition spd="slow" p14:dur="2000" advTm="104325"/>
     </mc:Choice>
-    <mc:Fallback xmlns:mv="urn:schemas-microsoft-com:mac:vml" xmlns="">
+    <mc:Fallback xmlns="" xmlns:mv="urn:schemas-microsoft-com:mac:vml">
+      <p:transition spd="slow" advTm="104325"/>
+    </mc:Fallback>
+  </mc:AlternateContent>
+  <p:timing>
+    <p:tnLst>
+      <p:par>
+        <p:cTn id="1" dur="indefinite" restart="never" nodeType="tmRoot"/>
+      </p:par>
+    </p:tnLst>
+  </p:timing>
+</p:sld>
+</file>
+
+<file path=ppt/slides/slide5.xml><?xml version="1.0" encoding="utf-8"?>
+<p:sld xmlns:a="http://schemas.openxmlformats.org/drawingml/2006/main" xmlns:r="http://schemas.openxmlformats.org/officeDocument/2006/relationships" xmlns:p="http://schemas.openxmlformats.org/presentationml/2006/main">
+  <p:cSld>
+    <p:spTree>
+      <p:nvGrpSpPr>
+        <p:cNvPr id="1" name=""/>
+        <p:cNvGrpSpPr/>
+        <p:nvPr/>
+      </p:nvGrpSpPr>
+      <p:grpSpPr>
+        <a:xfrm>
+          <a:off x="0" y="0"/>
+          <a:ext cx="0" cy="0"/>
+          <a:chOff x="0" y="0"/>
+          <a:chExt cx="0" cy="0"/>
+        </a:xfrm>
+      </p:grpSpPr>
+      <p:sp>
+        <p:nvSpPr>
+          <p:cNvPr id="2" name="Título 1"/>
+          <p:cNvSpPr>
+            <a:spLocks noGrp="1"/>
+          </p:cNvSpPr>
+          <p:nvPr>
+            <p:ph type="title"/>
+          </p:nvPr>
+        </p:nvSpPr>
+        <p:spPr/>
+        <p:txBody>
+          <a:bodyPr/>
+          <a:lstStyle/>
+          <a:p>
+            <a:r>
+              <a:rPr lang="en-US" dirty="0" smtClean="0"/>
+              <a:t>Flow Solution</a:t>
+            </a:r>
+            <a:endParaRPr lang="en-US" sz="2400" dirty="0"/>
+          </a:p>
+        </p:txBody>
+      </p:sp>
+      <p:sp>
+        <p:nvSpPr>
+          <p:cNvPr id="5" name="Marcador de fecha 4"/>
+          <p:cNvSpPr>
+            <a:spLocks noGrp="1"/>
+          </p:cNvSpPr>
+          <p:nvPr>
+            <p:ph type="dt" sz="half" idx="10"/>
+          </p:nvPr>
+        </p:nvSpPr>
+        <p:spPr/>
+        <p:txBody>
+          <a:bodyPr/>
+          <a:lstStyle/>
+          <a:p>
+            <a:r>
+              <a:rPr lang="en-US" smtClean="0"/>
+              <a:t>Jan 15th, 2013</a:t>
+            </a:r>
+            <a:endParaRPr lang="en-US"/>
+          </a:p>
+        </p:txBody>
+      </p:sp>
+      <p:sp>
+        <p:nvSpPr>
+          <p:cNvPr id="6" name="Marcador de pie de página 5"/>
+          <p:cNvSpPr>
+            <a:spLocks noGrp="1"/>
+          </p:cNvSpPr>
+          <p:nvPr>
+            <p:ph type="ftr" sz="quarter" idx="11"/>
+          </p:nvPr>
+        </p:nvSpPr>
+        <p:spPr/>
+        <p:txBody>
+          <a:bodyPr/>
+          <a:lstStyle/>
+          <a:p>
+            <a:r>
+              <a:rPr lang="en-US" smtClean="0"/>
+              <a:t>SU2 Release Version 2.0 Workshop</a:t>
+            </a:r>
+            <a:endParaRPr lang="en-US"/>
+          </a:p>
+        </p:txBody>
+      </p:sp>
+      <p:sp>
+        <p:nvSpPr>
+          <p:cNvPr id="3" name="Slide Number Placeholder 2"/>
+          <p:cNvSpPr>
+            <a:spLocks noGrp="1"/>
+          </p:cNvSpPr>
+          <p:nvPr>
+            <p:ph type="sldNum" sz="quarter" idx="12"/>
+          </p:nvPr>
+        </p:nvSpPr>
+        <p:spPr/>
+        <p:txBody>
+          <a:bodyPr/>
+          <a:lstStyle/>
+          <a:p>
+            <a:fld id="{13327632-CE63-A847-914F-A1F825E2A685}" type="slidenum">
+              <a:rPr lang="en-US" smtClean="0"/>
+              <a:pPr/>
+              <a:t>5</a:t>
+            </a:fld>
+            <a:endParaRPr lang="en-US"/>
+          </a:p>
+        </p:txBody>
+      </p:sp>
+      <p:sp>
+        <p:nvSpPr>
+          <p:cNvPr id="4" name="Content Placeholder 3"/>
+          <p:cNvSpPr>
+            <a:spLocks noGrp="1"/>
+          </p:cNvSpPr>
+          <p:nvPr>
+            <p:ph idx="1"/>
+          </p:nvPr>
+        </p:nvSpPr>
+        <p:spPr/>
+        <p:txBody>
+          <a:bodyPr/>
+          <a:lstStyle/>
+          <a:p>
+            <a:r>
+              <a:rPr lang="en-US" sz="2800" dirty="0" err="1" smtClean="0"/>
+              <a:t>Config</a:t>
+            </a:r>
+            <a:r>
+              <a:rPr lang="en-US" sz="2800" dirty="0" smtClean="0"/>
+              <a:t> options:</a:t>
+            </a:r>
+          </a:p>
+          <a:p>
+            <a:pPr marL="0" indent="0">
+              <a:buNone/>
+            </a:pPr>
+            <a:endParaRPr lang="en-US" sz="2800" dirty="0"/>
+          </a:p>
+          <a:p>
+            <a:endParaRPr lang="en-US" sz="2800" dirty="0" smtClean="0"/>
+          </a:p>
+          <a:p>
+            <a:endParaRPr lang="en-US" sz="2800" dirty="0"/>
+          </a:p>
+          <a:p>
+            <a:endParaRPr lang="en-US" sz="2800" dirty="0" smtClean="0"/>
+          </a:p>
+          <a:p>
+            <a:endParaRPr lang="en-US" sz="2800" dirty="0" smtClean="0"/>
+          </a:p>
+          <a:p>
+            <a:endParaRPr lang="en-US" sz="2800" dirty="0"/>
+          </a:p>
+          <a:p>
+            <a:endParaRPr lang="en-US" sz="2800" dirty="0"/>
+          </a:p>
+          <a:p>
+            <a:r>
+              <a:rPr lang="en-US" sz="2800" dirty="0" smtClean="0"/>
+              <a:t>Most parameters have default values</a:t>
+            </a:r>
+          </a:p>
+          <a:p>
+            <a:r>
+              <a:rPr lang="en-US" sz="2800" dirty="0" smtClean="0"/>
+              <a:t>Order of </a:t>
+            </a:r>
+            <a:r>
+              <a:rPr lang="en-US" sz="2800" dirty="0" err="1" smtClean="0"/>
+              <a:t>config</a:t>
+            </a:r>
+            <a:r>
+              <a:rPr lang="en-US" sz="2800" dirty="0" smtClean="0"/>
+              <a:t> options is not important</a:t>
+            </a:r>
+            <a:endParaRPr lang="en-US" sz="2800" dirty="0"/>
+          </a:p>
+        </p:txBody>
+      </p:sp>
+      <p:sp>
+        <p:nvSpPr>
+          <p:cNvPr id="7" name="TextBox 6"/>
+          <p:cNvSpPr txBox="1"/>
+          <p:nvPr/>
+        </p:nvSpPr>
+        <p:spPr>
+          <a:xfrm>
+            <a:off x="2397760" y="2042160"/>
+            <a:ext cx="4348480" cy="2893100"/>
+          </a:xfrm>
+          <a:prstGeom prst="rect">
+            <a:avLst/>
+          </a:prstGeom>
+          <a:solidFill>
+            <a:srgbClr val="FFFA9F"/>
+          </a:solidFill>
+          <a:ln>
+            <a:solidFill>
+              <a:schemeClr val="bg2"/>
+            </a:solidFill>
+          </a:ln>
+        </p:spPr>
+        <p:txBody>
+          <a:bodyPr wrap="square" rtlCol="0">
+            <a:spAutoFit/>
+          </a:bodyPr>
+          <a:lstStyle/>
+          <a:p>
+            <a:r>
+              <a:rPr lang="en-US" sz="1400" dirty="0" smtClean="0">
+                <a:latin typeface="Courier"/>
+                <a:cs typeface="Courier"/>
+              </a:rPr>
+              <a:t>PHYSICAL_PROBLEM</a:t>
+            </a:r>
+            <a:r>
+              <a:rPr lang="en-US" sz="1400" dirty="0">
+                <a:latin typeface="Courier"/>
+                <a:cs typeface="Courier"/>
+              </a:rPr>
+              <a:t>= </a:t>
+            </a:r>
+            <a:r>
+              <a:rPr lang="en-US" sz="1400" dirty="0" smtClean="0">
+                <a:latin typeface="Courier"/>
+                <a:cs typeface="Courier"/>
+              </a:rPr>
+              <a:t>EULER</a:t>
+            </a:r>
+          </a:p>
+          <a:p>
+            <a:r>
+              <a:rPr lang="en-US" sz="1400" dirty="0" smtClean="0">
+                <a:latin typeface="Courier"/>
+                <a:cs typeface="Courier"/>
+              </a:rPr>
+              <a:t>%</a:t>
+            </a:r>
+          </a:p>
+          <a:p>
+            <a:r>
+              <a:rPr lang="en-US" sz="1400" dirty="0">
+                <a:latin typeface="Courier"/>
+                <a:cs typeface="Courier"/>
+              </a:rPr>
+              <a:t>MATH_PROBLEM= DIRECT</a:t>
+            </a:r>
+          </a:p>
+          <a:p>
+            <a:r>
+              <a:rPr lang="en-US" sz="1400" dirty="0" smtClean="0">
+                <a:latin typeface="Courier"/>
+                <a:cs typeface="Courier"/>
+              </a:rPr>
+              <a:t>%</a:t>
+            </a:r>
+          </a:p>
+          <a:p>
+            <a:r>
+              <a:rPr lang="en-US" sz="1400" dirty="0" smtClean="0">
+                <a:latin typeface="Courier"/>
+                <a:cs typeface="Courier"/>
+              </a:rPr>
+              <a:t>MACH_NUMBER</a:t>
+            </a:r>
+            <a:r>
+              <a:rPr lang="en-US" sz="1400" dirty="0">
+                <a:latin typeface="Courier"/>
+                <a:cs typeface="Courier"/>
+              </a:rPr>
+              <a:t>= 0.8</a:t>
+            </a:r>
+          </a:p>
+          <a:p>
+            <a:r>
+              <a:rPr lang="en-US" sz="1400" dirty="0" smtClean="0">
+                <a:latin typeface="Courier"/>
+                <a:cs typeface="Courier"/>
+              </a:rPr>
+              <a:t>%</a:t>
+            </a:r>
+          </a:p>
+          <a:p>
+            <a:r>
+              <a:rPr lang="en-US" sz="1400" dirty="0" err="1" smtClean="0">
+                <a:latin typeface="Courier"/>
+                <a:cs typeface="Courier"/>
+              </a:rPr>
+              <a:t>AoA</a:t>
+            </a:r>
+            <a:r>
+              <a:rPr lang="en-US" sz="1400" dirty="0">
+                <a:latin typeface="Courier"/>
+                <a:cs typeface="Courier"/>
+              </a:rPr>
+              <a:t>= 1.25</a:t>
+            </a:r>
+          </a:p>
+          <a:p>
+            <a:r>
+              <a:rPr lang="en-US" sz="1400" dirty="0" smtClean="0">
+                <a:latin typeface="Courier"/>
+                <a:cs typeface="Courier"/>
+              </a:rPr>
+              <a:t>%</a:t>
+            </a:r>
+          </a:p>
+          <a:p>
+            <a:r>
+              <a:rPr lang="en-US" sz="1400" dirty="0" smtClean="0">
+                <a:latin typeface="Courier"/>
+                <a:cs typeface="Courier"/>
+              </a:rPr>
+              <a:t>FREESTREAM_PRESSURE</a:t>
+            </a:r>
+            <a:r>
+              <a:rPr lang="en-US" sz="1400" dirty="0">
+                <a:latin typeface="Courier"/>
+                <a:cs typeface="Courier"/>
+              </a:rPr>
+              <a:t>= 101325.0</a:t>
+            </a:r>
+          </a:p>
+          <a:p>
+            <a:r>
+              <a:rPr lang="en-US" sz="1400" dirty="0" smtClean="0">
+                <a:latin typeface="Courier"/>
+                <a:cs typeface="Courier"/>
+              </a:rPr>
+              <a:t>%</a:t>
+            </a:r>
+          </a:p>
+          <a:p>
+            <a:r>
+              <a:rPr lang="en-US" sz="1400" dirty="0" smtClean="0">
+                <a:latin typeface="Courier"/>
+                <a:cs typeface="Courier"/>
+              </a:rPr>
+              <a:t>FREESTREAM_TEMPERATURE</a:t>
+            </a:r>
+            <a:r>
+              <a:rPr lang="en-US" sz="1400" dirty="0">
+                <a:latin typeface="Courier"/>
+                <a:cs typeface="Courier"/>
+              </a:rPr>
+              <a:t>= 273.15</a:t>
+            </a:r>
+          </a:p>
+          <a:p>
+            <a:r>
+              <a:rPr lang="en-US" sz="1400" dirty="0">
+                <a:latin typeface="Courier"/>
+                <a:cs typeface="Courier"/>
+              </a:rPr>
+              <a:t>%</a:t>
+            </a:r>
+            <a:endParaRPr lang="en-US" sz="1400" dirty="0" smtClean="0">
+              <a:latin typeface="Courier"/>
+              <a:cs typeface="Courier"/>
+            </a:endParaRPr>
+          </a:p>
+          <a:p>
+            <a:r>
+              <a:rPr lang="en-US" sz="1400" dirty="0" smtClean="0">
+                <a:latin typeface="Courier"/>
+                <a:cs typeface="Courier"/>
+              </a:rPr>
+              <a:t>MESH_FILENAME</a:t>
+            </a:r>
+            <a:r>
+              <a:rPr lang="en-US" sz="1400" dirty="0">
+                <a:latin typeface="Courier"/>
+                <a:cs typeface="Courier"/>
+              </a:rPr>
+              <a:t>= </a:t>
+            </a:r>
+            <a:r>
+              <a:rPr lang="en-US" sz="1400" dirty="0" smtClean="0">
+                <a:latin typeface="Courier"/>
+                <a:cs typeface="Courier"/>
+              </a:rPr>
+              <a:t>mesh_NACA0012_inv.su2</a:t>
+            </a:r>
+            <a:endParaRPr lang="en-US" sz="1400" dirty="0">
+              <a:latin typeface="Courier"/>
+              <a:cs typeface="Courier"/>
+            </a:endParaRPr>
+          </a:p>
+        </p:txBody>
+      </p:sp>
+    </p:spTree>
+    <p:custDataLst>
+      <p:tags r:id="rId1"/>
+    </p:custDataLst>
+    <p:extLst>
+      <p:ext uri="{BB962C8B-B14F-4D97-AF65-F5344CB8AC3E}">
+        <p14:creationId xmlns:p14="http://schemas.microsoft.com/office/powerpoint/2010/main" val="2384172103"/>
+      </p:ext>
+    </p:extLst>
+  </p:cSld>
+  <p:clrMapOvr>
+    <a:masterClrMapping/>
+  </p:clrMapOvr>
+  <mc:AlternateContent xmlns:mc="http://schemas.openxmlformats.org/markup-compatibility/2006" xmlns:p14="http://schemas.microsoft.com/office/powerpoint/2010/main">
+    <mc:Choice Requires="p14">
+      <p:transition spd="slow" p14:dur="2000" advTm="104325"/>
+    </mc:Choice>
+    <mc:Fallback xmlns="" xmlns:mv="urn:schemas-microsoft-com:mac:vml">
       <p:transition spd="slow" advTm="104325"/>
     </mc:Fallback>
   </mc:AlternateContent>
@@ -6063,7 +5762,7 @@
           <a:p>
             <a:r>
               <a:rPr lang="en-US" dirty="0" smtClean="0"/>
-              <a:t>Flow Solution</a:t>
+              <a:t>Restart</a:t>
             </a:r>
             <a:endParaRPr lang="en-US" sz="2400" dirty="0"/>
           </a:p>
@@ -6155,56 +5854,18 @@
           <a:lstStyle/>
           <a:p>
             <a:r>
+              <a:rPr lang="en-US" sz="2800" dirty="0" smtClean="0"/>
+              <a:t>Simulations can be restarted from partially converged results</a:t>
+            </a:r>
+          </a:p>
+          <a:p>
+            <a:r>
               <a:rPr lang="en-US" sz="2800" dirty="0" err="1" smtClean="0"/>
               <a:t>Config</a:t>
             </a:r>
             <a:r>
               <a:rPr lang="en-US" sz="2800" dirty="0" smtClean="0"/>
               <a:t> options:</a:t>
-            </a:r>
-          </a:p>
-          <a:p>
-            <a:pPr marL="0" indent="0">
-              <a:buNone/>
-            </a:pPr>
-            <a:endParaRPr lang="en-US" sz="2800" dirty="0"/>
-          </a:p>
-          <a:p>
-            <a:endParaRPr lang="en-US" sz="2800" dirty="0" smtClean="0"/>
-          </a:p>
-          <a:p>
-            <a:endParaRPr lang="en-US" sz="2800" dirty="0"/>
-          </a:p>
-          <a:p>
-            <a:endParaRPr lang="en-US" sz="2800" dirty="0" smtClean="0"/>
-          </a:p>
-          <a:p>
-            <a:endParaRPr lang="en-US" sz="2800" dirty="0" smtClean="0"/>
-          </a:p>
-          <a:p>
-            <a:endParaRPr lang="en-US" sz="2800" dirty="0"/>
-          </a:p>
-          <a:p>
-            <a:endParaRPr lang="en-US" sz="2800" dirty="0"/>
-          </a:p>
-          <a:p>
-            <a:r>
-              <a:rPr lang="en-US" sz="2800" dirty="0" smtClean="0"/>
-              <a:t>Most parameters have default values</a:t>
-            </a:r>
-          </a:p>
-          <a:p>
-            <a:r>
-              <a:rPr lang="en-US" sz="2800" dirty="0" smtClean="0"/>
-              <a:t>Order of </a:t>
-            </a:r>
-            <a:r>
-              <a:rPr lang="en-US" sz="2800" dirty="0" err="1" smtClean="0"/>
-              <a:t>config</a:t>
-            </a:r>
-            <a:r>
-              <a:rPr lang="en-US" sz="2800" dirty="0" smtClean="0"/>
-              <a:t> options is not important</a:t>
             </a:r>
             <a:endParaRPr lang="en-US" sz="2800" dirty="0"/>
           </a:p>
@@ -6218,8 +5879,8 @@
         </p:nvSpPr>
         <p:spPr>
           <a:xfrm>
-            <a:off x="2397760" y="2042160"/>
-            <a:ext cx="4348480" cy="2893100"/>
+            <a:off x="2286000" y="3271520"/>
+            <a:ext cx="4572000" cy="738664"/>
           </a:xfrm>
           <a:prstGeom prst="rect">
             <a:avLst/>
@@ -6240,25 +5901,18 @@
           <a:lstStyle/>
           <a:p>
             <a:r>
+              <a:rPr lang="en-US" sz="1400" dirty="0">
+                <a:latin typeface="Courier"/>
+                <a:cs typeface="Courier"/>
+              </a:rPr>
+              <a:t>RESTART_SOL= </a:t>
+            </a:r>
+            <a:r>
               <a:rPr lang="en-US" sz="1400" dirty="0" smtClean="0">
                 <a:latin typeface="Courier"/>
                 <a:cs typeface="Courier"/>
               </a:rPr>
-              <a:t>PHYSICAL_PROBLEM</a:t>
-            </a:r>
-            <a:r>
-              <a:rPr lang="en-US" sz="1400" dirty="0">
-                <a:latin typeface="Courier"/>
-                <a:cs typeface="Courier"/>
-              </a:rPr>
-              <a:t>= </a:t>
-            </a:r>
-            <a:r>
-              <a:rPr lang="en-US" sz="1400" dirty="0" smtClean="0">
-                <a:latin typeface="Courier"/>
-                <a:cs typeface="Courier"/>
-              </a:rPr>
-              <a:t>EULER</a:t>
+              <a:t>NO</a:t>
             </a:r>
           </a:p>
           <a:p>
@@ -6276,7 +5930,64 @@
                 <a:latin typeface="Courier"/>
                 <a:cs typeface="Courier"/>
               </a:rPr>
-              <a:t>MATH_PROBLEM= DIRECT</a:t>
+              <a:t>EXT_ITER= </a:t>
+            </a:r>
+            <a:r>
+              <a:rPr lang="en-US" sz="1400" dirty="0" smtClean="0">
+                <a:latin typeface="Courier"/>
+                <a:cs typeface="Courier"/>
+              </a:rPr>
+              <a:t>50</a:t>
+            </a:r>
+            <a:endParaRPr lang="en-US" sz="1400" dirty="0">
+              <a:latin typeface="Courier"/>
+              <a:cs typeface="Courier"/>
+            </a:endParaRPr>
+          </a:p>
+        </p:txBody>
+      </p:sp>
+      <p:sp>
+        <p:nvSpPr>
+          <p:cNvPr id="8" name="TextBox 7"/>
+          <p:cNvSpPr txBox="1"/>
+          <p:nvPr/>
+        </p:nvSpPr>
+        <p:spPr>
+          <a:xfrm>
+            <a:off x="2286000" y="4521200"/>
+            <a:ext cx="4572000" cy="738664"/>
+          </a:xfrm>
+          <a:prstGeom prst="rect">
+            <a:avLst/>
+          </a:prstGeom>
+          <a:solidFill>
+            <a:srgbClr val="FFFA9F"/>
+          </a:solidFill>
+          <a:ln>
+            <a:solidFill>
+              <a:schemeClr val="bg2"/>
+            </a:solidFill>
+          </a:ln>
+        </p:spPr>
+        <p:txBody>
+          <a:bodyPr wrap="square" rtlCol="0">
+            <a:spAutoFit/>
+          </a:bodyPr>
+          <a:lstStyle/>
+          <a:p>
+            <a:r>
+              <a:rPr lang="en-US" sz="1400" dirty="0">
+                <a:latin typeface="Courier"/>
+                <a:cs typeface="Courier"/>
+              </a:rPr>
+              <a:t>RESTART_SOL= </a:t>
+            </a:r>
+            <a:r>
+              <a:rPr lang="en-US" sz="1400" dirty="0" smtClean="0">
+                <a:latin typeface="Courier"/>
+                <a:cs typeface="Courier"/>
+              </a:rPr>
+              <a:t>YES</a:t>
             </a:r>
           </a:p>
           <a:p>
@@ -6290,146 +6001,30 @@
           </a:p>
           <a:p>
             <a:r>
-              <a:rPr lang="en-US" sz="1400" dirty="0" smtClean="0">
+              <a:rPr lang="pl-PL" sz="1400" dirty="0">
                 <a:latin typeface="Courier"/>
                 <a:cs typeface="Courier"/>
               </a:rPr>
-              <a:t>MACH_NUMBER</a:t>
-            </a:r>
-            <a:r>
-              <a:rPr lang="en-US" sz="1400" dirty="0">
+              <a:t>SOLUTION_FLOW_FILENAME= </a:t>
+            </a:r>
+            <a:r>
+              <a:rPr lang="pl-PL" sz="1400" dirty="0" err="1">
                 <a:latin typeface="Courier"/>
                 <a:cs typeface="Courier"/>
               </a:rPr>
-              <a:t>= 0.8</a:t>
-            </a:r>
-          </a:p>
-          <a:p>
-            <a:r>
-              <a:rPr lang="en-US" sz="1400" dirty="0" smtClean="0">
-                <a:latin typeface="Courier"/>
-                <a:cs typeface="Courier"/>
-              </a:rPr>
-              <a:t>%</a:t>
-            </a:r>
-          </a:p>
-          <a:p>
-            <a:r>
-              <a:rPr lang="en-US" sz="1400" dirty="0" err="1" smtClean="0">
-                <a:latin typeface="Courier"/>
-                <a:cs typeface="Courier"/>
-              </a:rPr>
-              <a:t>AoA</a:t>
-            </a:r>
-            <a:r>
-              <a:rPr lang="en-US" sz="1400" dirty="0">
-                <a:latin typeface="Courier"/>
-                <a:cs typeface="Courier"/>
-              </a:rPr>
-              <a:t>= 1.25</a:t>
-            </a:r>
-          </a:p>
-          <a:p>
-            <a:r>
-              <a:rPr lang="en-US" sz="1400" dirty="0" smtClean="0">
-                <a:latin typeface="Courier"/>
-                <a:cs typeface="Courier"/>
-              </a:rPr>
-              <a:t>%</a:t>
-            </a:r>
-          </a:p>
-          <a:p>
-            <a:r>
-              <a:rPr lang="en-US" sz="1400" dirty="0" smtClean="0">
-                <a:latin typeface="Courier"/>
-                <a:cs typeface="Courier"/>
-              </a:rPr>
-              <a:t>FREESTREAM_PRESSURE</a:t>
-            </a:r>
-            <a:r>
-              <a:rPr lang="en-US" sz="1400" dirty="0">
-                <a:latin typeface="Courier"/>
-                <a:cs typeface="Courier"/>
-              </a:rPr>
-              <a:t>= 101325.0</a:t>
-            </a:r>
-          </a:p>
-          <a:p>
-            <a:r>
-              <a:rPr lang="en-US" sz="1400" dirty="0" smtClean="0">
-                <a:latin typeface="Courier"/>
-                <a:cs typeface="Courier"/>
-              </a:rPr>
-              <a:t>%</a:t>
-            </a:r>
-          </a:p>
-          <a:p>
-            <a:r>
-              <a:rPr lang="en-US" sz="1400" dirty="0" smtClean="0">
-                <a:latin typeface="Courier"/>
-                <a:cs typeface="Courier"/>
-              </a:rPr>
-              <a:t>FREESTREAM_TEMPERATURE</a:t>
-            </a:r>
-            <a:r>
-              <a:rPr lang="en-US" sz="1400" dirty="0">
-                <a:latin typeface="Courier"/>
-                <a:cs typeface="Courier"/>
-              </a:rPr>
-              <a:t>= 273.15</a:t>
-            </a:r>
-          </a:p>
-          <a:p>
-            <a:r>
-              <a:rPr lang="en-US" sz="1400" dirty="0">
-                <a:latin typeface="Courier"/>
-                <a:cs typeface="Courier"/>
-              </a:rPr>
-              <a:t>%</a:t>
+              <a:t>solution_flow.dat</a:t>
             </a:r>
             <a:endParaRPr lang="en-US" sz="1400" dirty="0" smtClean="0">
               <a:latin typeface="Courier"/>
               <a:cs typeface="Courier"/>
             </a:endParaRPr>
           </a:p>
-          <a:p>
-            <a:r>
-              <a:rPr lang="en-US" sz="1400" dirty="0" smtClean="0">
-                <a:latin typeface="Courier"/>
-                <a:cs typeface="Courier"/>
-              </a:rPr>
-              <a:t>MESH_FILENAME</a:t>
-            </a:r>
-            <a:r>
-              <a:rPr lang="en-US" sz="1400" dirty="0">
-                <a:latin typeface="Courier"/>
-                <a:cs typeface="Courier"/>
-              </a:rPr>
-              <a:t>= </a:t>
-            </a:r>
-            <a:r>
-              <a:rPr lang="en-US" sz="1400" dirty="0" smtClean="0">
-                <a:latin typeface="Courier"/>
-                <a:cs typeface="Courier"/>
-              </a:rPr>
-              <a:t>mesh_NACA0012_inv.su2</a:t>
-            </a:r>
-            <a:endParaRPr lang="en-US" sz="1400" dirty="0">
-              <a:latin typeface="Courier"/>
-              <a:cs typeface="Courier"/>
-            </a:endParaRPr>
-          </a:p>
         </p:txBody>
       </p:sp>
     </p:spTree>
     <p:custDataLst>
       <p:tags r:id="rId1"/>
     </p:custDataLst>
-    <p:extLst>
-      <p:ext uri="{BB962C8B-B14F-4D97-AF65-F5344CB8AC3E}">
-        <p14:creationId xmlns:p14="http://schemas.microsoft.com/office/powerpoint/2010/main" val="2384172103"/>
-      </p:ext>
-    </p:extLst>
   </p:cSld>
   <p:clrMapOvr>
     <a:masterClrMapping/>
@@ -6438,7 +6033,7 @@
     <mc:Choice Requires="p14">
       <p:transition spd="slow" p14:dur="2000" advTm="104325"/>
     </mc:Choice>
-    <mc:Fallback xmlns:mv="urn:schemas-microsoft-com:mac:vml" xmlns="">
+    <mc:Fallback xmlns="" xmlns:mv="urn:schemas-microsoft-com:mac:vml">
       <p:transition spd="slow" advTm="104325"/>
     </mc:Fallback>
   </mc:AlternateContent>
@@ -6486,7 +6081,7 @@
           <a:p>
             <a:r>
               <a:rPr lang="en-US" dirty="0" smtClean="0"/>
-              <a:t>Restart</a:t>
+              <a:t>Solver Parameters</a:t>
             </a:r>
             <a:endParaRPr lang="en-US" sz="2400" dirty="0"/>
           </a:p>
@@ -6579,7 +6174,15 @@
           <a:p>
             <a:r>
               <a:rPr lang="en-US" sz="2800" dirty="0" smtClean="0"/>
-              <a:t>Simulations can be restarted from partially converged results</a:t>
+              <a:t>Among the many options in the </a:t>
+            </a:r>
+            <a:r>
+              <a:rPr lang="en-US" sz="2800" dirty="0" err="1" smtClean="0"/>
+              <a:t>config</a:t>
+            </a:r>
+            <a:r>
+              <a:rPr lang="en-US" sz="2800" dirty="0" smtClean="0"/>
+              <a:t> file, various parameters exist to modify the solution method</a:t>
             </a:r>
           </a:p>
           <a:p>
@@ -6591,20 +6194,19 @@
               <a:rPr lang="en-US" sz="2800" dirty="0" smtClean="0"/>
               <a:t> options:</a:t>
             </a:r>
-            <a:endParaRPr lang="en-US" sz="2800" dirty="0"/>
-          </a:p>
-        </p:txBody>
-      </p:sp>
-      <p:sp>
-        <p:nvSpPr>
-          <p:cNvPr id="7" name="TextBox 6"/>
+          </a:p>
+        </p:txBody>
+      </p:sp>
+      <p:sp>
+        <p:nvSpPr>
+          <p:cNvPr id="8" name="TextBox 7"/>
           <p:cNvSpPr txBox="1"/>
           <p:nvPr/>
         </p:nvSpPr>
         <p:spPr>
           <a:xfrm>
-            <a:off x="2286000" y="3271520"/>
-            <a:ext cx="4572000" cy="738664"/>
+            <a:off x="2387600" y="3434080"/>
+            <a:ext cx="4348480" cy="1600438"/>
           </a:xfrm>
           <a:prstGeom prst="rect">
             <a:avLst/>
@@ -6629,14 +6231,7 @@
                 <a:latin typeface="Courier"/>
                 <a:cs typeface="Courier"/>
               </a:rPr>
-              <a:t>RESTART_SOL= </a:t>
-            </a:r>
-            <a:r>
-              <a:rPr lang="en-US" sz="1400" dirty="0" smtClean="0">
-                <a:latin typeface="Courier"/>
-                <a:cs typeface="Courier"/>
-              </a:rPr>
-              <a:t>NO</a:t>
+              <a:t>RESTART_SOL= NO</a:t>
             </a:r>
           </a:p>
           <a:p>
@@ -6650,68 +6245,25 @@
           </a:p>
           <a:p>
             <a:r>
+              <a:rPr lang="en-US" sz="1400" dirty="0" smtClean="0">
+                <a:latin typeface="Courier"/>
+                <a:cs typeface="Courier"/>
+              </a:rPr>
+              <a:t>CFL_NUMBER</a:t>
+            </a:r>
+            <a:r>
               <a:rPr lang="en-US" sz="1400" dirty="0">
                 <a:latin typeface="Courier"/>
                 <a:cs typeface="Courier"/>
               </a:rPr>
-              <a:t>EXT_ITER= </a:t>
+              <a:t>= </a:t>
             </a:r>
             <a:r>
               <a:rPr lang="en-US" sz="1400" dirty="0" smtClean="0">
                 <a:latin typeface="Courier"/>
                 <a:cs typeface="Courier"/>
               </a:rPr>
-              <a:t>50</a:t>
-            </a:r>
-            <a:endParaRPr lang="en-US" sz="1400" dirty="0">
-              <a:latin typeface="Courier"/>
-              <a:cs typeface="Courier"/>
-            </a:endParaRPr>
-          </a:p>
-        </p:txBody>
-      </p:sp>
-      <p:sp>
-        <p:nvSpPr>
-          <p:cNvPr id="8" name="TextBox 7"/>
-          <p:cNvSpPr txBox="1"/>
-          <p:nvPr/>
-        </p:nvSpPr>
-        <p:spPr>
-          <a:xfrm>
-            <a:off x="2286000" y="4521200"/>
-            <a:ext cx="4572000" cy="738664"/>
-          </a:xfrm>
-          <a:prstGeom prst="rect">
-            <a:avLst/>
-          </a:prstGeom>
-          <a:solidFill>
-            <a:srgbClr val="FFFA9F"/>
-          </a:solidFill>
-          <a:ln>
-            <a:solidFill>
-              <a:schemeClr val="bg2"/>
-            </a:solidFill>
-          </a:ln>
-        </p:spPr>
-        <p:txBody>
-          <a:bodyPr wrap="square" rtlCol="0">
-            <a:spAutoFit/>
-          </a:bodyPr>
-          <a:lstStyle/>
-          <a:p>
-            <a:r>
-              <a:rPr lang="en-US" sz="1400" dirty="0">
-                <a:latin typeface="Courier"/>
-                <a:cs typeface="Courier"/>
-              </a:rPr>
-              <a:t>RESTART_SOL= </a:t>
-            </a:r>
-            <a:r>
-              <a:rPr lang="en-US" sz="1400" dirty="0" smtClean="0">
-                <a:latin typeface="Courier"/>
-                <a:cs typeface="Courier"/>
-              </a:rPr>
-              <a:t>YES</a:t>
+              <a:t>4.0</a:t>
             </a:r>
           </a:p>
           <a:p>
@@ -6725,20 +6277,59 @@
           </a:p>
           <a:p>
             <a:r>
-              <a:rPr lang="pl-PL" sz="1400" dirty="0">
+              <a:rPr lang="en-US" sz="1400" dirty="0">
                 <a:latin typeface="Courier"/>
                 <a:cs typeface="Courier"/>
               </a:rPr>
-              <a:t>SOLUTION_FLOW_FILENAME= </a:t>
-            </a:r>
-            <a:r>
-              <a:rPr lang="pl-PL" sz="1400" dirty="0" err="1">
+              <a:t>CFL_RAMP= ( </a:t>
+            </a:r>
+            <a:r>
+              <a:rPr lang="en-US" sz="1400" dirty="0" smtClean="0">
                 <a:latin typeface="Courier"/>
                 <a:cs typeface="Courier"/>
               </a:rPr>
-              <a:t>solution_flow.dat</a:t>
-            </a:r>
-            <a:endParaRPr lang="en-US" sz="1400" dirty="0" smtClean="0">
+              <a:t>1.1, 10, </a:t>
+            </a:r>
+            <a:r>
+              <a:rPr lang="en-US" sz="1400" dirty="0">
+                <a:latin typeface="Courier"/>
+                <a:cs typeface="Courier"/>
+              </a:rPr>
+              <a:t>10.0 </a:t>
+            </a:r>
+            <a:r>
+              <a:rPr lang="en-US" sz="1400" dirty="0" smtClean="0">
+                <a:latin typeface="Courier"/>
+                <a:cs typeface="Courier"/>
+              </a:rPr>
+              <a:t>)</a:t>
+            </a:r>
+          </a:p>
+          <a:p>
+            <a:r>
+              <a:rPr lang="en-US" sz="1400" dirty="0" smtClean="0">
+                <a:latin typeface="Courier"/>
+                <a:cs typeface="Courier"/>
+              </a:rPr>
+              <a:t>%</a:t>
+            </a:r>
+          </a:p>
+          <a:p>
+            <a:r>
+              <a:rPr lang="en-US" sz="1400" dirty="0">
+                <a:latin typeface="Courier"/>
+                <a:cs typeface="Courier"/>
+              </a:rPr>
+              <a:t>CONV_NUM_METHOD_FLOW= ROE</a:t>
+            </a:r>
+            <a:r>
+              <a:rPr lang="en-US" sz="1400" dirty="0" smtClean="0">
+                <a:latin typeface="Courier"/>
+                <a:cs typeface="Courier"/>
+              </a:rPr>
+              <a:t>-2ND_ORDER</a:t>
+            </a:r>
+            <a:endParaRPr lang="en-US" sz="1400" dirty="0">
               <a:latin typeface="Courier"/>
               <a:cs typeface="Courier"/>
             </a:endParaRPr>
@@ -6749,6 +6340,11 @@
     <p:custDataLst>
       <p:tags r:id="rId1"/>
     </p:custDataLst>
+    <p:extLst>
+      <p:ext uri="{BB962C8B-B14F-4D97-AF65-F5344CB8AC3E}">
+        <p14:creationId xmlns:p14="http://schemas.microsoft.com/office/powerpoint/2010/main" val="2433778843"/>
+      </p:ext>
+    </p:extLst>
   </p:cSld>
   <p:clrMapOvr>
     <a:masterClrMapping/>
@@ -6757,7 +6353,7 @@
     <mc:Choice Requires="p14">
       <p:transition spd="slow" p14:dur="2000" advTm="104325"/>
     </mc:Choice>
-    <mc:Fallback xmlns:mv="urn:schemas-microsoft-com:mac:vml" xmlns="">
+    <mc:Fallback xmlns="" xmlns:mv="urn:schemas-microsoft-com:mac:vml">
       <p:transition spd="slow" advTm="104325"/>
     </mc:Fallback>
   </mc:AlternateContent>
@@ -6790,7 +6386,7 @@
       </p:grpSpPr>
       <p:sp>
         <p:nvSpPr>
-          <p:cNvPr id="2" name="Título 1"/>
+          <p:cNvPr id="2" name="Title 1"/>
           <p:cNvSpPr>
             <a:spLocks noGrp="1"/>
           </p:cNvSpPr>
@@ -6805,15 +6401,38 @@
           <a:p>
             <a:r>
               <a:rPr lang="en-US" dirty="0" smtClean="0"/>
-              <a:t>Solver Parameters</a:t>
-            </a:r>
-            <a:endParaRPr lang="en-US" sz="2400" dirty="0"/>
-          </a:p>
-        </p:txBody>
-      </p:sp>
-      <p:sp>
-        <p:nvSpPr>
-          <p:cNvPr id="5" name="Marcador de fecha 4"/>
+              <a:t>Interactive</a:t>
+            </a:r>
+            <a:endParaRPr lang="en-US" dirty="0"/>
+          </a:p>
+        </p:txBody>
+      </p:sp>
+      <p:sp>
+        <p:nvSpPr>
+          <p:cNvPr id="3" name="Content Placeholder 2"/>
+          <p:cNvSpPr>
+            <a:spLocks noGrp="1"/>
+          </p:cNvSpPr>
+          <p:nvPr>
+            <p:ph idx="1"/>
+          </p:nvPr>
+        </p:nvSpPr>
+        <p:spPr/>
+        <p:txBody>
+          <a:bodyPr/>
+          <a:lstStyle/>
+          <a:p>
+            <a:r>
+              <a:rPr lang="en-US" dirty="0" smtClean="0"/>
+              <a:t>Direct Solution</a:t>
+            </a:r>
+            <a:endParaRPr lang="en-US" dirty="0"/>
+          </a:p>
+        </p:txBody>
+      </p:sp>
+      <p:sp>
+        <p:nvSpPr>
+          <p:cNvPr id="4" name="Date Placeholder 3"/>
           <p:cNvSpPr>
             <a:spLocks noGrp="1"/>
           </p:cNvSpPr>
@@ -6830,13 +6449,13 @@
               <a:rPr lang="en-US" smtClean="0"/>
               <a:t>Jan 15th, 2013</a:t>
             </a:r>
-            <a:endParaRPr lang="en-US"/>
-          </a:p>
-        </p:txBody>
-      </p:sp>
-      <p:sp>
-        <p:nvSpPr>
-          <p:cNvPr id="6" name="Marcador de pie de página 5"/>
+            <a:endParaRPr lang="en-US" dirty="0"/>
+          </a:p>
+        </p:txBody>
+      </p:sp>
+      <p:sp>
+        <p:nvSpPr>
+          <p:cNvPr id="5" name="Footer Placeholder 4"/>
           <p:cNvSpPr>
             <a:spLocks noGrp="1"/>
           </p:cNvSpPr>
@@ -6859,7 +6478,7 @@
       </p:sp>
       <p:sp>
         <p:nvSpPr>
-          <p:cNvPr id="3" name="Slide Number Placeholder 2"/>
+          <p:cNvPr id="6" name="Slide Number Placeholder 5"/>
           <p:cNvSpPr>
             <a:spLocks noGrp="1"/>
           </p:cNvSpPr>
@@ -6881,213 +6500,16 @@
           </a:p>
         </p:txBody>
       </p:sp>
-      <p:sp>
-        <p:nvSpPr>
-          <p:cNvPr id="4" name="Content Placeholder 3"/>
-          <p:cNvSpPr>
-            <a:spLocks noGrp="1"/>
-          </p:cNvSpPr>
-          <p:nvPr>
-            <p:ph idx="1"/>
-          </p:nvPr>
-        </p:nvSpPr>
-        <p:spPr/>
-        <p:txBody>
-          <a:bodyPr/>
-          <a:lstStyle/>
-          <a:p>
-            <a:r>
-              <a:rPr lang="en-US" sz="2800" dirty="0" smtClean="0"/>
-              <a:t>Among the many options in the </a:t>
-            </a:r>
-            <a:r>
-              <a:rPr lang="en-US" sz="2800" dirty="0" err="1" smtClean="0"/>
-              <a:t>config</a:t>
-            </a:r>
-            <a:r>
-              <a:rPr lang="en-US" sz="2800" dirty="0" smtClean="0"/>
-              <a:t> file, various parameters exist to modify the solution method</a:t>
-            </a:r>
-          </a:p>
-          <a:p>
-            <a:r>
-              <a:rPr lang="en-US" sz="2800" dirty="0" err="1" smtClean="0"/>
-              <a:t>Config</a:t>
-            </a:r>
-            <a:r>
-              <a:rPr lang="en-US" sz="2800" dirty="0" smtClean="0"/>
-              <a:t> options:</a:t>
-            </a:r>
-          </a:p>
-        </p:txBody>
-      </p:sp>
-      <p:sp>
-        <p:nvSpPr>
-          <p:cNvPr id="8" name="TextBox 7"/>
-          <p:cNvSpPr txBox="1"/>
-          <p:nvPr/>
-        </p:nvSpPr>
-        <p:spPr>
-          <a:xfrm>
-            <a:off x="2387600" y="3434080"/>
-            <a:ext cx="4348480" cy="1600438"/>
-          </a:xfrm>
-          <a:prstGeom prst="rect">
-            <a:avLst/>
-          </a:prstGeom>
-          <a:solidFill>
-            <a:srgbClr val="FFFA9F"/>
-          </a:solidFill>
-          <a:ln>
-            <a:solidFill>
-              <a:schemeClr val="bg2"/>
-            </a:solidFill>
-          </a:ln>
-        </p:spPr>
-        <p:txBody>
-          <a:bodyPr wrap="square" rtlCol="0">
-            <a:spAutoFit/>
-          </a:bodyPr>
-          <a:lstStyle/>
-          <a:p>
-            <a:r>
-              <a:rPr lang="en-US" sz="1400" dirty="0">
-                <a:latin typeface="Courier"/>
-                <a:cs typeface="Courier"/>
-              </a:rPr>
-              <a:t>RESTART_SOL= NO</a:t>
-            </a:r>
-          </a:p>
-          <a:p>
-            <a:r>
-              <a:rPr lang="en-US" sz="1400" dirty="0" smtClean="0">
-                <a:latin typeface="Courier"/>
-                <a:cs typeface="Courier"/>
-              </a:rPr>
-              <a:t>%</a:t>
-            </a:r>
-          </a:p>
-          <a:p>
-            <a:r>
-              <a:rPr lang="en-US" sz="1400" dirty="0" smtClean="0">
-                <a:latin typeface="Courier"/>
-                <a:cs typeface="Courier"/>
-              </a:rPr>
-              <a:t>CFL_NUMBER</a:t>
-            </a:r>
-            <a:r>
-              <a:rPr lang="en-US" sz="1400" dirty="0">
-                <a:latin typeface="Courier"/>
-                <a:cs typeface="Courier"/>
-              </a:rPr>
-              <a:t>= </a:t>
-            </a:r>
-            <a:r>
-              <a:rPr lang="en-US" sz="1400" dirty="0" smtClean="0">
-                <a:latin typeface="Courier"/>
-                <a:cs typeface="Courier"/>
-              </a:rPr>
-              <a:t>4.0</a:t>
-            </a:r>
-          </a:p>
-          <a:p>
-            <a:r>
-              <a:rPr lang="en-US" sz="1400" dirty="0" smtClean="0">
-                <a:latin typeface="Courier"/>
-                <a:cs typeface="Courier"/>
-              </a:rPr>
-              <a:t>%</a:t>
-            </a:r>
-          </a:p>
-          <a:p>
-            <a:r>
-              <a:rPr lang="en-US" sz="1400" dirty="0">
-                <a:latin typeface="Courier"/>
-                <a:cs typeface="Courier"/>
-              </a:rPr>
-              <a:t>CFL_RAMP= ( </a:t>
-            </a:r>
-            <a:r>
-              <a:rPr lang="en-US" sz="1400" dirty="0" smtClean="0">
-                <a:latin typeface="Courier"/>
-                <a:cs typeface="Courier"/>
-              </a:rPr>
-              <a:t>1.1, 10, </a:t>
-            </a:r>
-            <a:r>
-              <a:rPr lang="en-US" sz="1400" dirty="0">
-                <a:latin typeface="Courier"/>
-                <a:cs typeface="Courier"/>
-              </a:rPr>
-              <a:t>10.0 </a:t>
-            </a:r>
-            <a:r>
-              <a:rPr lang="en-US" sz="1400" dirty="0" smtClean="0">
-                <a:latin typeface="Courier"/>
-                <a:cs typeface="Courier"/>
-              </a:rPr>
-              <a:t>)</a:t>
-            </a:r>
-          </a:p>
-          <a:p>
-            <a:r>
-              <a:rPr lang="en-US" sz="1400" dirty="0" smtClean="0">
-                <a:latin typeface="Courier"/>
-                <a:cs typeface="Courier"/>
-              </a:rPr>
-              <a:t>%</a:t>
-            </a:r>
-          </a:p>
-          <a:p>
-            <a:r>
-              <a:rPr lang="en-US" sz="1400" dirty="0">
-                <a:latin typeface="Courier"/>
-                <a:cs typeface="Courier"/>
-              </a:rPr>
-              <a:t>CONV_NUM_METHOD_FLOW= ROE</a:t>
-            </a:r>
-            <a:r>
-              <a:rPr lang="en-US" sz="1400" dirty="0" smtClean="0">
-                <a:latin typeface="Courier"/>
-                <a:cs typeface="Courier"/>
-              </a:rPr>
-              <a:t>-2ND_ORDER</a:t>
-            </a:r>
-            <a:endParaRPr lang="en-US" sz="1400" dirty="0">
-              <a:latin typeface="Courier"/>
-              <a:cs typeface="Courier"/>
-            </a:endParaRPr>
-          </a:p>
-        </p:txBody>
-      </p:sp>
     </p:spTree>
-    <p:custDataLst>
-      <p:tags r:id="rId1"/>
-    </p:custDataLst>
     <p:extLst>
       <p:ext uri="{BB962C8B-B14F-4D97-AF65-F5344CB8AC3E}">
-        <p14:creationId xmlns:p14="http://schemas.microsoft.com/office/powerpoint/2010/main" val="2433778843"/>
+        <p14:creationId xmlns:p14="http://schemas.microsoft.com/office/powerpoint/2010/main" val="2477905836"/>
       </p:ext>
     </p:extLst>
   </p:cSld>
   <p:clrMapOvr>
     <a:masterClrMapping/>
   </p:clrMapOvr>
-  <mc:AlternateContent xmlns:mc="http://schemas.openxmlformats.org/markup-compatibility/2006" xmlns:p14="http://schemas.microsoft.com/office/powerpoint/2010/main">
-    <mc:Choice Requires="p14">
-      <p:transition spd="slow" p14:dur="2000" advTm="104325"/>
-    </mc:Choice>
-    <mc:Fallback xmlns:mv="urn:schemas-microsoft-com:mac:vml" xmlns="">
-      <p:transition spd="slow" advTm="104325"/>
-    </mc:Fallback>
-  </mc:AlternateContent>
-  <p:timing>
-    <p:tnLst>
-      <p:par>
-        <p:cTn id="1" dur="indefinite" restart="never" nodeType="tmRoot"/>
-      </p:par>
-    </p:tnLst>
-  </p:timing>
 </p:sld>
 </file>
 
@@ -7110,7 +6532,7 @@
       </p:grpSpPr>
       <p:sp>
         <p:nvSpPr>
-          <p:cNvPr id="2" name="Title 1"/>
+          <p:cNvPr id="2" name="Título 1"/>
           <p:cNvSpPr>
             <a:spLocks noGrp="1"/>
           </p:cNvSpPr>
@@ -7124,39 +6546,20 @@
           <a:lstStyle/>
           <a:p>
             <a:r>
+              <a:rPr lang="en-US" dirty="0" err="1" smtClean="0"/>
+              <a:t>Adjoint</a:t>
+            </a:r>
+            <a:r>
               <a:rPr lang="en-US" dirty="0" smtClean="0"/>
-              <a:t>Interactive</a:t>
-            </a:r>
-            <a:endParaRPr lang="en-US" dirty="0"/>
-          </a:p>
-        </p:txBody>
-      </p:sp>
-      <p:sp>
-        <p:nvSpPr>
-          <p:cNvPr id="3" name="Content Placeholder 2"/>
-          <p:cNvSpPr>
-            <a:spLocks noGrp="1"/>
-          </p:cNvSpPr>
-          <p:nvPr>
-            <p:ph idx="1"/>
-          </p:nvPr>
-        </p:nvSpPr>
-        <p:spPr/>
-        <p:txBody>
-          <a:bodyPr/>
-          <a:lstStyle/>
-          <a:p>
-            <a:r>
-              <a:rPr lang="en-US" dirty="0" smtClean="0"/>
-              <a:t>Direct Solution</a:t>
-            </a:r>
-            <a:endParaRPr lang="en-US" dirty="0"/>
-          </a:p>
-        </p:txBody>
-      </p:sp>
-      <p:sp>
-        <p:nvSpPr>
-          <p:cNvPr id="4" name="Date Placeholder 3"/>
+              <a:t> Solution</a:t>
+            </a:r>
+            <a:endParaRPr lang="en-US" sz="2400" dirty="0"/>
+          </a:p>
+        </p:txBody>
+      </p:sp>
+      <p:sp>
+        <p:nvSpPr>
+          <p:cNvPr id="5" name="Marcador de fecha 4"/>
           <p:cNvSpPr>
             <a:spLocks noGrp="1"/>
           </p:cNvSpPr>
@@ -7173,13 +6576,13 @@
               <a:rPr lang="en-US" smtClean="0"/>
               <a:t>Jan 15th, 2013</a:t>
             </a:r>
-            <a:endParaRPr lang="en-US" dirty="0"/>
-          </a:p>
-        </p:txBody>
-      </p:sp>
-      <p:sp>
-        <p:nvSpPr>
-          <p:cNvPr id="5" name="Footer Placeholder 4"/>
+            <a:endParaRPr lang="en-US"/>
+          </a:p>
+        </p:txBody>
+      </p:sp>
+      <p:sp>
+        <p:nvSpPr>
+          <p:cNvPr id="6" name="Marcador de pie de página 5"/>
           <p:cNvSpPr>
             <a:spLocks noGrp="1"/>
           </p:cNvSpPr>
@@ -7202,7 +6605,7 @@
       </p:sp>
       <p:sp>
         <p:nvSpPr>
-          <p:cNvPr id="6" name="Slide Number Placeholder 5"/>
+          <p:cNvPr id="3" name="Slide Number Placeholder 2"/>
           <p:cNvSpPr>
             <a:spLocks noGrp="1"/>
           </p:cNvSpPr>
@@ -7224,16 +6627,243 @@
           </a:p>
         </p:txBody>
       </p:sp>
+      <p:sp>
+        <p:nvSpPr>
+          <p:cNvPr id="4" name="Content Placeholder 3"/>
+          <p:cNvSpPr>
+            <a:spLocks noGrp="1"/>
+          </p:cNvSpPr>
+          <p:nvPr>
+            <p:ph idx="1"/>
+          </p:nvPr>
+        </p:nvSpPr>
+        <p:spPr/>
+        <p:txBody>
+          <a:bodyPr/>
+          <a:lstStyle/>
+          <a:p>
+            <a:r>
+              <a:rPr lang="en-US" sz="2800" dirty="0" smtClean="0"/>
+              <a:t>Sensitivity of a functional to changes in the flow</a:t>
+            </a:r>
+          </a:p>
+          <a:p>
+            <a:pPr lvl="1"/>
+            <a:r>
+              <a:rPr lang="en-US" sz="2400" dirty="0"/>
+              <a:t>e</a:t>
+            </a:r>
+            <a:r>
+              <a:rPr lang="en-US" sz="2400" dirty="0" smtClean="0"/>
+              <a:t>.g., How does changing the airfoil shape affect lift?</a:t>
+            </a:r>
+            <a:endParaRPr lang="en-US" dirty="0" smtClean="0"/>
+          </a:p>
+          <a:p>
+            <a:r>
+              <a:rPr lang="en-US" sz="2800" dirty="0" smtClean="0"/>
+              <a:t>Additional required file:</a:t>
+            </a:r>
+          </a:p>
+          <a:p>
+            <a:pPr lvl="1"/>
+            <a:r>
+              <a:rPr lang="en-US" sz="2400" dirty="0" smtClean="0"/>
+              <a:t>Converged flow solution</a:t>
+            </a:r>
+            <a:endParaRPr lang="en-US" sz="2400" dirty="0"/>
+          </a:p>
+          <a:p>
+            <a:r>
+              <a:rPr lang="en-US" sz="2800" dirty="0" err="1" smtClean="0"/>
+              <a:t>Config</a:t>
+            </a:r>
+            <a:r>
+              <a:rPr lang="en-US" sz="2800" dirty="0" smtClean="0"/>
+              <a:t> options:</a:t>
+            </a:r>
+            <a:endParaRPr lang="en-US" sz="2800" dirty="0"/>
+          </a:p>
+          <a:p>
+            <a:endParaRPr lang="en-US" sz="2800" dirty="0" smtClean="0"/>
+          </a:p>
+        </p:txBody>
+      </p:sp>
+      <p:sp>
+        <p:nvSpPr>
+          <p:cNvPr id="7" name="TextBox 6"/>
+          <p:cNvSpPr txBox="1"/>
+          <p:nvPr/>
+        </p:nvSpPr>
+        <p:spPr>
+          <a:xfrm>
+            <a:off x="2245360" y="3962400"/>
+            <a:ext cx="4663440" cy="2031325"/>
+          </a:xfrm>
+          <a:prstGeom prst="rect">
+            <a:avLst/>
+          </a:prstGeom>
+          <a:solidFill>
+            <a:srgbClr val="FFFA9F"/>
+          </a:solidFill>
+          <a:ln>
+            <a:solidFill>
+              <a:schemeClr val="bg2"/>
+            </a:solidFill>
+          </a:ln>
+        </p:spPr>
+        <p:txBody>
+          <a:bodyPr wrap="square" rtlCol="0">
+            <a:spAutoFit/>
+          </a:bodyPr>
+          <a:lstStyle/>
+          <a:p>
+            <a:r>
+              <a:rPr lang="en-US" sz="1400" dirty="0">
+                <a:latin typeface="Courier"/>
+                <a:cs typeface="Courier"/>
+              </a:rPr>
+              <a:t>MATH_PROBLEM= </a:t>
+            </a:r>
+            <a:r>
+              <a:rPr lang="en-US" sz="1400" dirty="0" smtClean="0">
+                <a:latin typeface="Courier"/>
+                <a:cs typeface="Courier"/>
+              </a:rPr>
+              <a:t>ADJOINT</a:t>
+            </a:r>
+          </a:p>
+          <a:p>
+            <a:r>
+              <a:rPr lang="en-US" sz="1400" dirty="0" smtClean="0">
+                <a:latin typeface="Courier"/>
+                <a:cs typeface="Courier"/>
+              </a:rPr>
+              <a:t>%</a:t>
+            </a:r>
+          </a:p>
+          <a:p>
+            <a:r>
+              <a:rPr lang="en-US" sz="1400" dirty="0">
+                <a:latin typeface="Courier"/>
+                <a:cs typeface="Courier"/>
+              </a:rPr>
+              <a:t>RESTART_SOL= NO</a:t>
+            </a:r>
+          </a:p>
+          <a:p>
+            <a:r>
+              <a:rPr lang="en-US" sz="1400" dirty="0" smtClean="0">
+                <a:latin typeface="Courier"/>
+                <a:cs typeface="Courier"/>
+              </a:rPr>
+              <a:t>%</a:t>
+            </a:r>
+            <a:endParaRPr lang="en-US" sz="1400" dirty="0">
+              <a:latin typeface="Courier"/>
+              <a:cs typeface="Courier"/>
+            </a:endParaRPr>
+          </a:p>
+          <a:p>
+            <a:r>
+              <a:rPr lang="en-US" sz="1400" dirty="0">
+                <a:latin typeface="Courier"/>
+                <a:cs typeface="Courier"/>
+              </a:rPr>
+              <a:t>ADJOINT_TYPE= </a:t>
+            </a:r>
+            <a:r>
+              <a:rPr lang="en-US" sz="1400" dirty="0" smtClean="0">
+                <a:latin typeface="Courier"/>
+                <a:cs typeface="Courier"/>
+              </a:rPr>
+              <a:t>CONTINUOUS</a:t>
+            </a:r>
+          </a:p>
+          <a:p>
+            <a:r>
+              <a:rPr lang="en-US" sz="1400" dirty="0" smtClean="0">
+                <a:latin typeface="Courier"/>
+                <a:cs typeface="Courier"/>
+              </a:rPr>
+              <a:t>%</a:t>
+            </a:r>
+          </a:p>
+          <a:p>
+            <a:r>
+              <a:rPr lang="en-US" sz="1400" dirty="0">
+                <a:latin typeface="Courier"/>
+                <a:cs typeface="Courier"/>
+              </a:rPr>
+              <a:t>ADJ_OBJFUNC= </a:t>
+            </a:r>
+            <a:r>
+              <a:rPr lang="en-US" sz="1400" dirty="0" smtClean="0">
+                <a:latin typeface="Courier"/>
+                <a:cs typeface="Courier"/>
+              </a:rPr>
+              <a:t>DRAG</a:t>
+            </a:r>
+          </a:p>
+          <a:p>
+            <a:r>
+              <a:rPr lang="en-US" sz="1400" dirty="0" smtClean="0">
+                <a:latin typeface="Courier"/>
+                <a:cs typeface="Courier"/>
+              </a:rPr>
+              <a:t>%</a:t>
+            </a:r>
+          </a:p>
+          <a:p>
+            <a:r>
+              <a:rPr lang="pl-PL" sz="1400" dirty="0">
+                <a:latin typeface="Courier"/>
+                <a:cs typeface="Courier"/>
+              </a:rPr>
+              <a:t>SOLUTION_FLOW_FILENAME= </a:t>
+            </a:r>
+            <a:r>
+              <a:rPr lang="pl-PL" sz="1400" dirty="0" err="1" smtClean="0">
+                <a:latin typeface="Courier"/>
+                <a:cs typeface="Courier"/>
+              </a:rPr>
+              <a:t>solution_flow.dat</a:t>
+            </a:r>
+            <a:endParaRPr lang="pl-PL" sz="1400" dirty="0">
+              <a:latin typeface="Courier"/>
+              <a:cs typeface="Courier"/>
+            </a:endParaRPr>
+          </a:p>
+        </p:txBody>
+      </p:sp>
     </p:spTree>
+    <p:custDataLst>
+      <p:tags r:id="rId1"/>
+    </p:custDataLst>
     <p:extLst>
       <p:ext uri="{BB962C8B-B14F-4D97-AF65-F5344CB8AC3E}">
-        <p14:creationId xmlns:p14="http://schemas.microsoft.com/office/powerpoint/2010/main" val="2477905836"/>
+        <p14:creationId xmlns:p14="http://schemas.microsoft.com/office/powerpoint/2010/main" val="3651468860"/>
       </p:ext>
     </p:extLst>
   </p:cSld>
   <p:clrMapOvr>
     <a:masterClrMapping/>
   </p:clrMapOvr>
+  <mc:AlternateContent xmlns:mc="http://schemas.openxmlformats.org/markup-compatibility/2006" xmlns:p14="http://schemas.microsoft.com/office/powerpoint/2010/main">
+    <mc:Choice Requires="p14">
+      <p:transition spd="slow" p14:dur="2000" advTm="104325"/>
+    </mc:Choice>
+    <mc:Fallback xmlns="" xmlns:mv="urn:schemas-microsoft-com:mac:vml">
+      <p:transition spd="slow" advTm="104325"/>
+    </mc:Fallback>
+  </mc:AlternateContent>
+  <p:timing>
+    <p:tnLst>
+      <p:par>
+        <p:cTn id="1" dur="indefinite" restart="never" nodeType="tmRoot"/>
+      </p:par>
+    </p:tnLst>
+  </p:timing>
 </p:sld>
 </file>
 
